--- a/Kernels Environments Packages and Running Python Slides.pptx
+++ b/Kernels Environments Packages and Running Python Slides.pptx
@@ -5,10 +5,10 @@
     <p:sldMasterId id="2147483648" r:id="rId1"/>
   </p:sldMasterIdLst>
   <p:notesMasterIdLst>
-    <p:notesMasterId r:id="rId9"/>
+    <p:notesMasterId r:id="rId11"/>
   </p:notesMasterIdLst>
   <p:handoutMasterIdLst>
-    <p:handoutMasterId r:id="rId10"/>
+    <p:handoutMasterId r:id="rId12"/>
   </p:handoutMasterIdLst>
   <p:sldIdLst>
     <p:sldId id="264" r:id="rId2"/>
@@ -16,8 +16,10 @@
     <p:sldId id="257" r:id="rId4"/>
     <p:sldId id="267" r:id="rId5"/>
     <p:sldId id="330" r:id="rId6"/>
-    <p:sldId id="329" r:id="rId7"/>
-    <p:sldId id="280" r:id="rId8"/>
+    <p:sldId id="332" r:id="rId7"/>
+    <p:sldId id="331" r:id="rId8"/>
+    <p:sldId id="329" r:id="rId9"/>
+    <p:sldId id="280" r:id="rId10"/>
   </p:sldIdLst>
   <p:sldSz cx="9144000" cy="6858000" type="screen4x3"/>
   <p:notesSz cx="7099300" cy="10234613"/>
@@ -126,6 +128,8 @@
             <p14:sldId id="257"/>
             <p14:sldId id="267"/>
             <p14:sldId id="330"/>
+            <p14:sldId id="332"/>
+            <p14:sldId id="331"/>
             <p14:sldId id="329"/>
             <p14:sldId id="280"/>
           </p14:sldIdLst>
@@ -1163,7 +1167,7 @@
     </p:spTree>
     <p:extLst>
       <p:ext uri="{BB962C8B-B14F-4D97-AF65-F5344CB8AC3E}">
-        <p14:creationId xmlns:p14="http://schemas.microsoft.com/office/powerpoint/2010/main" val="1492413823"/>
+        <p14:creationId xmlns:p14="http://schemas.microsoft.com/office/powerpoint/2010/main" val="1461934269"/>
       </p:ext>
     </p:extLst>
   </p:cSld>
@@ -1192,6 +1196,174 @@
       </p:grpSpPr>
       <p:sp>
         <p:nvSpPr>
+          <p:cNvPr id="2" name="Slide Image Placeholder 1"/>
+          <p:cNvSpPr>
+            <a:spLocks noGrp="1" noRot="1" noChangeAspect="1"/>
+          </p:cNvSpPr>
+          <p:nvPr>
+            <p:ph type="sldImg"/>
+          </p:nvPr>
+        </p:nvSpPr>
+        <p:spPr/>
+      </p:sp>
+      <p:sp>
+        <p:nvSpPr>
+          <p:cNvPr id="3" name="Notes Placeholder 2"/>
+          <p:cNvSpPr>
+            <a:spLocks noGrp="1"/>
+          </p:cNvSpPr>
+          <p:nvPr>
+            <p:ph type="body" idx="1"/>
+          </p:nvPr>
+        </p:nvSpPr>
+        <p:spPr/>
+        <p:txBody>
+          <a:bodyPr/>
+          <a:lstStyle/>
+          <a:p>
+            <a:endParaRPr lang="en-GB" dirty="0"/>
+          </a:p>
+        </p:txBody>
+      </p:sp>
+      <p:sp>
+        <p:nvSpPr>
+          <p:cNvPr id="4" name="Slide Number Placeholder 3"/>
+          <p:cNvSpPr>
+            <a:spLocks noGrp="1"/>
+          </p:cNvSpPr>
+          <p:nvPr>
+            <p:ph type="sldNum" sz="quarter" idx="10"/>
+          </p:nvPr>
+        </p:nvSpPr>
+        <p:spPr/>
+        <p:txBody>
+          <a:bodyPr/>
+          <a:lstStyle/>
+          <a:p>
+            <a:fld id="{6A641EC8-C9F8-4A58-A1A7-F7D817526EEC}" type="slidenum">
+              <a:rPr lang="en-GB" smtClean="0"/>
+              <a:t>7</a:t>
+            </a:fld>
+            <a:endParaRPr lang="en-GB"/>
+          </a:p>
+        </p:txBody>
+      </p:sp>
+    </p:spTree>
+    <p:extLst>
+      <p:ext uri="{BB962C8B-B14F-4D97-AF65-F5344CB8AC3E}">
+        <p14:creationId xmlns:p14="http://schemas.microsoft.com/office/powerpoint/2010/main" val="258869543"/>
+      </p:ext>
+    </p:extLst>
+  </p:cSld>
+  <p:clrMapOvr>
+    <a:masterClrMapping/>
+  </p:clrMapOvr>
+</p:notes>
+</file>
+
+<file path=ppt/notesSlides/notesSlide6.xml><?xml version="1.0" encoding="utf-8"?>
+<p:notes xmlns:a="http://schemas.openxmlformats.org/drawingml/2006/main" xmlns:r="http://schemas.openxmlformats.org/officeDocument/2006/relationships" xmlns:p="http://schemas.openxmlformats.org/presentationml/2006/main">
+  <p:cSld>
+    <p:spTree>
+      <p:nvGrpSpPr>
+        <p:cNvPr id="1" name=""/>
+        <p:cNvGrpSpPr/>
+        <p:nvPr/>
+      </p:nvGrpSpPr>
+      <p:grpSpPr>
+        <a:xfrm>
+          <a:off x="0" y="0"/>
+          <a:ext cx="0" cy="0"/>
+          <a:chOff x="0" y="0"/>
+          <a:chExt cx="0" cy="0"/>
+        </a:xfrm>
+      </p:grpSpPr>
+      <p:sp>
+        <p:nvSpPr>
+          <p:cNvPr id="2" name="Slide Image Placeholder 1"/>
+          <p:cNvSpPr>
+            <a:spLocks noGrp="1" noRot="1" noChangeAspect="1"/>
+          </p:cNvSpPr>
+          <p:nvPr>
+            <p:ph type="sldImg"/>
+          </p:nvPr>
+        </p:nvSpPr>
+        <p:spPr/>
+      </p:sp>
+      <p:sp>
+        <p:nvSpPr>
+          <p:cNvPr id="3" name="Notes Placeholder 2"/>
+          <p:cNvSpPr>
+            <a:spLocks noGrp="1"/>
+          </p:cNvSpPr>
+          <p:nvPr>
+            <p:ph type="body" idx="1"/>
+          </p:nvPr>
+        </p:nvSpPr>
+        <p:spPr/>
+        <p:txBody>
+          <a:bodyPr/>
+          <a:lstStyle/>
+          <a:p>
+            <a:endParaRPr lang="en-GB" dirty="0"/>
+          </a:p>
+        </p:txBody>
+      </p:sp>
+      <p:sp>
+        <p:nvSpPr>
+          <p:cNvPr id="4" name="Slide Number Placeholder 3"/>
+          <p:cNvSpPr>
+            <a:spLocks noGrp="1"/>
+          </p:cNvSpPr>
+          <p:nvPr>
+            <p:ph type="sldNum" sz="quarter" idx="10"/>
+          </p:nvPr>
+        </p:nvSpPr>
+        <p:spPr/>
+        <p:txBody>
+          <a:bodyPr/>
+          <a:lstStyle/>
+          <a:p>
+            <a:fld id="{6A641EC8-C9F8-4A58-A1A7-F7D817526EEC}" type="slidenum">
+              <a:rPr lang="en-GB" smtClean="0"/>
+              <a:t>8</a:t>
+            </a:fld>
+            <a:endParaRPr lang="en-GB"/>
+          </a:p>
+        </p:txBody>
+      </p:sp>
+    </p:spTree>
+    <p:extLst>
+      <p:ext uri="{BB962C8B-B14F-4D97-AF65-F5344CB8AC3E}">
+        <p14:creationId xmlns:p14="http://schemas.microsoft.com/office/powerpoint/2010/main" val="1492413823"/>
+      </p:ext>
+    </p:extLst>
+  </p:cSld>
+  <p:clrMapOvr>
+    <a:masterClrMapping/>
+  </p:clrMapOvr>
+</p:notes>
+</file>
+
+<file path=ppt/notesSlides/notesSlide7.xml><?xml version="1.0" encoding="utf-8"?>
+<p:notes xmlns:a="http://schemas.openxmlformats.org/drawingml/2006/main" xmlns:r="http://schemas.openxmlformats.org/officeDocument/2006/relationships" xmlns:p="http://schemas.openxmlformats.org/presentationml/2006/main">
+  <p:cSld>
+    <p:spTree>
+      <p:nvGrpSpPr>
+        <p:cNvPr id="1" name=""/>
+        <p:cNvGrpSpPr/>
+        <p:nvPr/>
+      </p:nvGrpSpPr>
+      <p:grpSpPr>
+        <a:xfrm>
+          <a:off x="0" y="0"/>
+          <a:ext cx="0" cy="0"/>
+          <a:chOff x="0" y="0"/>
+          <a:chExt cx="0" cy="0"/>
+        </a:xfrm>
+      </p:grpSpPr>
+      <p:sp>
+        <p:nvSpPr>
           <p:cNvPr id="108546" name="Rectangle 7"/>
           <p:cNvSpPr>
             <a:spLocks noGrp="1" noChangeArrowheads="1"/>
@@ -1350,7 +1522,7 @@
                   <a:spcPct val="0"/>
                 </a:spcBef>
               </a:pPr>
-              <a:t>7</a:t>
+              <a:t>9</a:t>
             </a:fld>
             <a:endParaRPr lang="en-US" altLang="en-US"/>
           </a:p>
@@ -4780,6 +4952,636 @@
           <a:p>
             <a:r>
               <a:rPr lang="en-GB" sz="4000" dirty="0"/>
+              <a:t>Python Installations</a:t>
+            </a:r>
+          </a:p>
+        </p:txBody>
+      </p:sp>
+      <p:sp>
+        <p:nvSpPr>
+          <p:cNvPr id="3" name="Content Placeholder 2"/>
+          <p:cNvSpPr>
+            <a:spLocks noGrp="1"/>
+          </p:cNvSpPr>
+          <p:nvPr>
+            <p:ph idx="1"/>
+          </p:nvPr>
+        </p:nvSpPr>
+        <p:spPr>
+          <a:xfrm>
+            <a:off x="457200" y="1600200"/>
+            <a:ext cx="8435280" cy="4876800"/>
+          </a:xfrm>
+        </p:spPr>
+        <p:txBody>
+          <a:bodyPr>
+            <a:normAutofit/>
+          </a:bodyPr>
+          <a:lstStyle/>
+          <a:p>
+            <a:pPr>
+              <a:lnSpc>
+                <a:spcPct val="107000"/>
+              </a:lnSpc>
+            </a:pPr>
+            <a:r>
+              <a:rPr lang="en-GB" sz="3000" dirty="0">
+                <a:latin typeface="Arial" panose="020B0604020202020204" pitchFamily="34" charset="0"/>
+                <a:cs typeface="Arial" panose="020B0604020202020204" pitchFamily="34" charset="0"/>
+              </a:rPr>
+              <a:t>Python</a:t>
+            </a:r>
+          </a:p>
+          <a:p>
+            <a:pPr lvl="1">
+              <a:lnSpc>
+                <a:spcPct val="107000"/>
+              </a:lnSpc>
+            </a:pPr>
+            <a:r>
+              <a:rPr lang="en-GB" sz="2600" dirty="0">
+                <a:latin typeface="Arial" panose="020B0604020202020204" pitchFamily="34" charset="0"/>
+                <a:cs typeface="Arial" panose="020B0604020202020204" pitchFamily="34" charset="0"/>
+              </a:rPr>
+              <a:t>Install from the </a:t>
+            </a:r>
+            <a:r>
+              <a:rPr lang="en-GB" sz="2600" dirty="0">
+                <a:latin typeface="Arial" panose="020B0604020202020204" pitchFamily="34" charset="0"/>
+                <a:cs typeface="Arial" panose="020B0604020202020204" pitchFamily="34" charset="0"/>
+                <a:hlinkClick r:id="rId3"/>
+              </a:rPr>
+              <a:t>Python website </a:t>
+            </a:r>
+            <a:endParaRPr lang="en-GB" sz="2600" dirty="0">
+              <a:latin typeface="Arial" panose="020B0604020202020204" pitchFamily="34" charset="0"/>
+              <a:cs typeface="Arial" panose="020B0604020202020204" pitchFamily="34" charset="0"/>
+            </a:endParaRPr>
+          </a:p>
+          <a:p>
+            <a:pPr lvl="1">
+              <a:lnSpc>
+                <a:spcPct val="107000"/>
+              </a:lnSpc>
+            </a:pPr>
+            <a:r>
+              <a:rPr lang="en-GB" sz="2600" dirty="0">
+                <a:latin typeface="Arial" panose="020B0604020202020204" pitchFamily="34" charset="0"/>
+                <a:cs typeface="Arial" panose="020B0604020202020204" pitchFamily="34" charset="0"/>
+              </a:rPr>
+              <a:t>Can have multiple versions installed</a:t>
+            </a:r>
+          </a:p>
+          <a:p>
+            <a:pPr lvl="1">
+              <a:lnSpc>
+                <a:spcPct val="107000"/>
+              </a:lnSpc>
+            </a:pPr>
+            <a:r>
+              <a:rPr lang="en-GB" sz="2600" dirty="0">
+                <a:latin typeface="Arial" panose="020B0604020202020204" pitchFamily="34" charset="0"/>
+                <a:cs typeface="Arial" panose="020B0604020202020204" pitchFamily="34" charset="0"/>
+              </a:rPr>
+              <a:t>“path” tells computer where to look for programs</a:t>
+            </a:r>
+          </a:p>
+          <a:p>
+            <a:pPr lvl="2">
+              <a:lnSpc>
+                <a:spcPct val="107000"/>
+              </a:lnSpc>
+            </a:pPr>
+            <a:r>
+              <a:rPr lang="en-GB" sz="2200" dirty="0">
+                <a:latin typeface="Arial" panose="020B0604020202020204" pitchFamily="34" charset="0"/>
+                <a:cs typeface="Arial" panose="020B0604020202020204" pitchFamily="34" charset="0"/>
+              </a:rPr>
+              <a:t>Sometimes too </a:t>
+            </a:r>
+            <a:r>
+              <a:rPr lang="en-GB" sz="2200">
+                <a:latin typeface="Arial" panose="020B0604020202020204" pitchFamily="34" charset="0"/>
+                <a:cs typeface="Arial" panose="020B0604020202020204" pitchFamily="34" charset="0"/>
+              </a:rPr>
+              <a:t>many entries </a:t>
+            </a:r>
+            <a:r>
+              <a:rPr lang="en-GB" sz="2200" dirty="0">
+                <a:latin typeface="Arial" panose="020B0604020202020204" pitchFamily="34" charset="0"/>
+                <a:cs typeface="Arial" panose="020B0604020202020204" pitchFamily="34" charset="0"/>
+              </a:rPr>
+              <a:t>on path can lead to problems</a:t>
+            </a:r>
+          </a:p>
+          <a:p>
+            <a:pPr>
+              <a:lnSpc>
+                <a:spcPct val="107000"/>
+              </a:lnSpc>
+            </a:pPr>
+            <a:r>
+              <a:rPr lang="en-GB" sz="3000" dirty="0" err="1">
+                <a:latin typeface="Arial" panose="020B0604020202020204" pitchFamily="34" charset="0"/>
+                <a:cs typeface="Arial" panose="020B0604020202020204" pitchFamily="34" charset="0"/>
+              </a:rPr>
+              <a:t>Ancaonda</a:t>
+            </a:r>
+            <a:endParaRPr lang="en-GB" sz="3000" dirty="0">
+              <a:latin typeface="Arial" panose="020B0604020202020204" pitchFamily="34" charset="0"/>
+              <a:cs typeface="Arial" panose="020B0604020202020204" pitchFamily="34" charset="0"/>
+            </a:endParaRPr>
+          </a:p>
+          <a:p>
+            <a:pPr lvl="1">
+              <a:lnSpc>
+                <a:spcPct val="107000"/>
+              </a:lnSpc>
+            </a:pPr>
+            <a:r>
+              <a:rPr lang="en-GB" sz="2600" dirty="0" err="1">
+                <a:latin typeface="Courier New" panose="02070309020205020404" pitchFamily="49" charset="0"/>
+                <a:cs typeface="Courier New" panose="02070309020205020404" pitchFamily="49" charset="0"/>
+              </a:rPr>
+              <a:t>conda</a:t>
+            </a:r>
+            <a:r>
+              <a:rPr lang="en-GB" sz="2600" dirty="0">
+                <a:latin typeface="Courier New" panose="02070309020205020404" pitchFamily="49" charset="0"/>
+                <a:cs typeface="Courier New" panose="02070309020205020404" pitchFamily="49" charset="0"/>
+              </a:rPr>
+              <a:t> search python </a:t>
+            </a:r>
+            <a:r>
+              <a:rPr lang="en-GB" sz="2600" dirty="0">
+                <a:latin typeface="Arial" panose="020B0604020202020204" pitchFamily="34" charset="0"/>
+                <a:cs typeface="Arial" panose="020B0604020202020204" pitchFamily="34" charset="0"/>
+              </a:rPr>
+              <a:t>gives list of installations</a:t>
+            </a:r>
+          </a:p>
+          <a:p>
+            <a:pPr lvl="1">
+              <a:lnSpc>
+                <a:spcPct val="107000"/>
+              </a:lnSpc>
+            </a:pPr>
+            <a:endParaRPr lang="en-GB" sz="2600" dirty="0">
+              <a:latin typeface="Arial" panose="020B0604020202020204" pitchFamily="34" charset="0"/>
+              <a:cs typeface="Arial" panose="020B0604020202020204" pitchFamily="34" charset="0"/>
+            </a:endParaRPr>
+          </a:p>
+        </p:txBody>
+      </p:sp>
+      <p:sp>
+        <p:nvSpPr>
+          <p:cNvPr id="4" name="Rectangle 1">
+            <a:extLst>
+              <a:ext uri="{FF2B5EF4-FFF2-40B4-BE49-F238E27FC236}">
+                <a16:creationId xmlns:a16="http://schemas.microsoft.com/office/drawing/2014/main" id="{803B62A5-972B-474D-BFE1-B41C6BD73BCA}"/>
+              </a:ext>
+            </a:extLst>
+          </p:cNvPr>
+          <p:cNvSpPr>
+            <a:spLocks noChangeArrowheads="1"/>
+          </p:cNvSpPr>
+          <p:nvPr/>
+        </p:nvSpPr>
+        <p:spPr bwMode="auto">
+          <a:xfrm>
+            <a:off x="0" y="0"/>
+            <a:ext cx="9144000" cy="457200"/>
+          </a:xfrm>
+          <a:prstGeom prst="rect">
+            <a:avLst/>
+          </a:prstGeom>
+          <a:solidFill>
+            <a:srgbClr val="EEEEEE"/>
+          </a:solidFill>
+          <a:ln>
+            <a:noFill/>
+          </a:ln>
+          <a:effectLst/>
+          <a:extLst>
+            <a:ext uri="{91240B29-F687-4F45-9708-019B960494DF}">
+              <a14:hiddenLine xmlns:a14="http://schemas.microsoft.com/office/drawing/2010/main" w="9525">
+                <a:solidFill>
+                  <a:schemeClr val="tx1"/>
+                </a:solidFill>
+                <a:miter lim="800000"/>
+                <a:headEnd/>
+                <a:tailEnd/>
+              </a14:hiddenLine>
+            </a:ext>
+            <a:ext uri="{AF507438-7753-43E0-B8FC-AC1667EBCBE1}">
+              <a14:hiddenEffects xmlns:a14="http://schemas.microsoft.com/office/drawing/2010/main">
+                <a:effectLst>
+                  <a:outerShdw dist="35921" dir="2700000" algn="ctr" rotWithShape="0">
+                    <a:schemeClr val="bg2"/>
+                  </a:outerShdw>
+                </a:effectLst>
+              </a14:hiddenEffects>
+            </a:ext>
+          </a:extLst>
+        </p:spPr>
+        <p:txBody>
+          <a:bodyPr vert="horz" wrap="none" lIns="0" tIns="0" rIns="0" bIns="0" numCol="1" anchor="ctr" anchorCtr="0" compatLnSpc="1">
+            <a:prstTxWarp prst="textNoShape">
+              <a:avLst/>
+            </a:prstTxWarp>
+            <a:spAutoFit/>
+          </a:bodyPr>
+          <a:lstStyle>
+            <a:lvl1pPr eaLnBrk="0" fontAlgn="base" hangingPunct="0">
+              <a:spcBef>
+                <a:spcPct val="30000"/>
+              </a:spcBef>
+              <a:spcAft>
+                <a:spcPct val="0"/>
+              </a:spcAft>
+              <a:defRPr sz="1200">
+                <a:solidFill>
+                  <a:schemeClr val="tx1"/>
+                </a:solidFill>
+                <a:latin typeface="Arial" panose="020B0604020202020204" pitchFamily="34" charset="0"/>
+              </a:defRPr>
+            </a:lvl1pPr>
+            <a:lvl2pPr eaLnBrk="0" fontAlgn="base" hangingPunct="0">
+              <a:spcBef>
+                <a:spcPct val="30000"/>
+              </a:spcBef>
+              <a:spcAft>
+                <a:spcPct val="0"/>
+              </a:spcAft>
+              <a:defRPr sz="1200">
+                <a:solidFill>
+                  <a:schemeClr val="tx1"/>
+                </a:solidFill>
+                <a:latin typeface="Arial" panose="020B0604020202020204" pitchFamily="34" charset="0"/>
+              </a:defRPr>
+            </a:lvl2pPr>
+            <a:lvl3pPr eaLnBrk="0" fontAlgn="base" hangingPunct="0">
+              <a:spcBef>
+                <a:spcPct val="30000"/>
+              </a:spcBef>
+              <a:spcAft>
+                <a:spcPct val="0"/>
+              </a:spcAft>
+              <a:defRPr sz="1200">
+                <a:solidFill>
+                  <a:schemeClr val="tx1"/>
+                </a:solidFill>
+                <a:latin typeface="Arial" panose="020B0604020202020204" pitchFamily="34" charset="0"/>
+              </a:defRPr>
+            </a:lvl3pPr>
+            <a:lvl4pPr eaLnBrk="0" fontAlgn="base" hangingPunct="0">
+              <a:spcBef>
+                <a:spcPct val="30000"/>
+              </a:spcBef>
+              <a:spcAft>
+                <a:spcPct val="0"/>
+              </a:spcAft>
+              <a:defRPr sz="1200">
+                <a:solidFill>
+                  <a:schemeClr val="tx1"/>
+                </a:solidFill>
+                <a:latin typeface="Arial" panose="020B0604020202020204" pitchFamily="34" charset="0"/>
+              </a:defRPr>
+            </a:lvl4pPr>
+            <a:lvl5pPr eaLnBrk="0" fontAlgn="base" hangingPunct="0">
+              <a:spcBef>
+                <a:spcPct val="30000"/>
+              </a:spcBef>
+              <a:spcAft>
+                <a:spcPct val="0"/>
+              </a:spcAft>
+              <a:defRPr sz="1200">
+                <a:solidFill>
+                  <a:schemeClr val="tx1"/>
+                </a:solidFill>
+                <a:latin typeface="Arial" panose="020B0604020202020204" pitchFamily="34" charset="0"/>
+              </a:defRPr>
+            </a:lvl5pPr>
+            <a:lvl6pPr eaLnBrk="0" fontAlgn="base" hangingPunct="0">
+              <a:spcBef>
+                <a:spcPct val="30000"/>
+              </a:spcBef>
+              <a:spcAft>
+                <a:spcPct val="0"/>
+              </a:spcAft>
+              <a:defRPr sz="1200">
+                <a:solidFill>
+                  <a:schemeClr val="tx1"/>
+                </a:solidFill>
+                <a:latin typeface="Arial" panose="020B0604020202020204" pitchFamily="34" charset="0"/>
+              </a:defRPr>
+            </a:lvl6pPr>
+            <a:lvl7pPr eaLnBrk="0" fontAlgn="base" hangingPunct="0">
+              <a:spcBef>
+                <a:spcPct val="30000"/>
+              </a:spcBef>
+              <a:spcAft>
+                <a:spcPct val="0"/>
+              </a:spcAft>
+              <a:defRPr sz="1200">
+                <a:solidFill>
+                  <a:schemeClr val="tx1"/>
+                </a:solidFill>
+                <a:latin typeface="Arial" panose="020B0604020202020204" pitchFamily="34" charset="0"/>
+              </a:defRPr>
+            </a:lvl7pPr>
+            <a:lvl8pPr eaLnBrk="0" fontAlgn="base" hangingPunct="0">
+              <a:spcBef>
+                <a:spcPct val="30000"/>
+              </a:spcBef>
+              <a:spcAft>
+                <a:spcPct val="0"/>
+              </a:spcAft>
+              <a:defRPr sz="1200">
+                <a:solidFill>
+                  <a:schemeClr val="tx1"/>
+                </a:solidFill>
+                <a:latin typeface="Arial" panose="020B0604020202020204" pitchFamily="34" charset="0"/>
+              </a:defRPr>
+            </a:lvl8pPr>
+            <a:lvl9pPr eaLnBrk="0" fontAlgn="base" hangingPunct="0">
+              <a:spcBef>
+                <a:spcPct val="30000"/>
+              </a:spcBef>
+              <a:spcAft>
+                <a:spcPct val="0"/>
+              </a:spcAft>
+              <a:defRPr sz="1200">
+                <a:solidFill>
+                  <a:schemeClr val="tx1"/>
+                </a:solidFill>
+                <a:latin typeface="Arial" panose="020B0604020202020204" pitchFamily="34" charset="0"/>
+              </a:defRPr>
+            </a:lvl9pPr>
+          </a:lstStyle>
+          <a:p>
+            <a:pPr marL="0" marR="0" lvl="0" indent="0" algn="l" defTabSz="914400" rtl="0" eaLnBrk="0" fontAlgn="base" latinLnBrk="0" hangingPunct="0">
+              <a:lnSpc>
+                <a:spcPct val="100000"/>
+              </a:lnSpc>
+              <a:spcBef>
+                <a:spcPct val="30000"/>
+              </a:spcBef>
+              <a:spcAft>
+                <a:spcPct val="0"/>
+              </a:spcAft>
+              <a:buClrTx/>
+              <a:buSzTx/>
+              <a:buFontTx/>
+              <a:buNone/>
+              <a:tabLst/>
+            </a:pPr>
+            <a:r>
+              <a:rPr kumimoji="0" lang="en-US" altLang="en-US" sz="1200" b="0" i="0" u="none" strike="noStrike" cap="none" normalizeH="0" baseline="0">
+                <a:ln>
+                  <a:noFill/>
+                </a:ln>
+                <a:solidFill>
+                  <a:schemeClr val="tx1"/>
+                </a:solidFill>
+                <a:effectLst/>
+                <a:latin typeface="Arial" panose="020B0604020202020204" pitchFamily="34" charset="0"/>
+              </a:rPr>
+              <a:t>conda</a:t>
+            </a:r>
+            <a:r>
+              <a:rPr kumimoji="0" lang="en-US" altLang="en-US" sz="900" b="0" i="0" u="none" strike="noStrike" cap="none" normalizeH="0" baseline="0">
+                <a:ln>
+                  <a:noFill/>
+                </a:ln>
+                <a:solidFill>
+                  <a:srgbClr val="404040"/>
+                </a:solidFill>
+                <a:effectLst/>
+                <a:latin typeface="SFMono-Regular"/>
+              </a:rPr>
+              <a:t> </a:t>
+            </a:r>
+            <a:r>
+              <a:rPr kumimoji="0" lang="en-US" altLang="en-US" sz="1200" b="0" i="0" u="none" strike="noStrike" cap="none" normalizeH="0" baseline="0">
+                <a:ln>
+                  <a:noFill/>
+                </a:ln>
+                <a:solidFill>
+                  <a:schemeClr val="tx1"/>
+                </a:solidFill>
+                <a:effectLst/>
+                <a:latin typeface="Arial" panose="020B0604020202020204" pitchFamily="34" charset="0"/>
+              </a:rPr>
+              <a:t>search</a:t>
+            </a:r>
+            <a:r>
+              <a:rPr kumimoji="0" lang="en-US" altLang="en-US" sz="900" b="0" i="0" u="none" strike="noStrike" cap="none" normalizeH="0" baseline="0">
+                <a:ln>
+                  <a:noFill/>
+                </a:ln>
+                <a:solidFill>
+                  <a:srgbClr val="404040"/>
+                </a:solidFill>
+                <a:effectLst/>
+                <a:latin typeface="SFMono-Regular"/>
+              </a:rPr>
+              <a:t> </a:t>
+            </a:r>
+            <a:r>
+              <a:rPr kumimoji="0" lang="en-US" altLang="en-US" sz="1200" b="0" i="0" u="none" strike="noStrike" cap="none" normalizeH="0" baseline="0">
+                <a:ln>
+                  <a:noFill/>
+                </a:ln>
+                <a:solidFill>
+                  <a:schemeClr val="tx1"/>
+                </a:solidFill>
+                <a:effectLst/>
+                <a:latin typeface="Arial" panose="020B0604020202020204" pitchFamily="34" charset="0"/>
+              </a:rPr>
+              <a:t>python</a:t>
+            </a:r>
+            <a:r>
+              <a:rPr kumimoji="0" lang="en-US" altLang="en-US" sz="600" b="0" i="0" u="none" strike="noStrike" cap="none" normalizeH="0" baseline="0">
+                <a:ln>
+                  <a:noFill/>
+                </a:ln>
+                <a:solidFill>
+                  <a:schemeClr val="tx1"/>
+                </a:solidFill>
+                <a:effectLst/>
+              </a:rPr>
+              <a:t> </a:t>
+            </a:r>
+            <a:endParaRPr kumimoji="0" lang="en-US" altLang="en-US" sz="1200" b="0" i="0" u="none" strike="noStrike" cap="none" normalizeH="0" baseline="0">
+              <a:ln>
+                <a:noFill/>
+              </a:ln>
+              <a:solidFill>
+                <a:schemeClr val="tx1"/>
+              </a:solidFill>
+              <a:effectLst/>
+              <a:latin typeface="Arial" panose="020B0604020202020204" pitchFamily="34" charset="0"/>
+            </a:endParaRPr>
+          </a:p>
+        </p:txBody>
+      </p:sp>
+    </p:spTree>
+    <p:extLst>
+      <p:ext uri="{BB962C8B-B14F-4D97-AF65-F5344CB8AC3E}">
+        <p14:creationId xmlns:p14="http://schemas.microsoft.com/office/powerpoint/2010/main" val="149702747"/>
+      </p:ext>
+    </p:extLst>
+  </p:cSld>
+  <p:clrMapOvr>
+    <a:masterClrMapping/>
+  </p:clrMapOvr>
+  <mc:AlternateContent xmlns:mc="http://schemas.openxmlformats.org/markup-compatibility/2006">
+    <mc:Choice xmlns:p14="http://schemas.microsoft.com/office/powerpoint/2010/main" Requires="p14">
+      <p:transition p14:dur="10"/>
+    </mc:Choice>
+    <mc:Fallback>
+      <p:transition/>
+    </mc:Fallback>
+  </mc:AlternateContent>
+</p:sld>
+</file>
+
+<file path=ppt/slides/slide7.xml><?xml version="1.0" encoding="utf-8"?>
+<p:sld xmlns:a="http://schemas.openxmlformats.org/drawingml/2006/main" xmlns:r="http://schemas.openxmlformats.org/officeDocument/2006/relationships" xmlns:p="http://schemas.openxmlformats.org/presentationml/2006/main">
+  <p:cSld>
+    <p:spTree>
+      <p:nvGrpSpPr>
+        <p:cNvPr id="1" name=""/>
+        <p:cNvGrpSpPr/>
+        <p:nvPr/>
+      </p:nvGrpSpPr>
+      <p:grpSpPr>
+        <a:xfrm>
+          <a:off x="0" y="0"/>
+          <a:ext cx="0" cy="0"/>
+          <a:chOff x="0" y="0"/>
+          <a:chExt cx="0" cy="0"/>
+        </a:xfrm>
+      </p:grpSpPr>
+      <p:sp>
+        <p:nvSpPr>
+          <p:cNvPr id="2" name="Title 1"/>
+          <p:cNvSpPr>
+            <a:spLocks noGrp="1"/>
+          </p:cNvSpPr>
+          <p:nvPr>
+            <p:ph type="title"/>
+          </p:nvPr>
+        </p:nvSpPr>
+        <p:spPr/>
+        <p:txBody>
+          <a:bodyPr/>
+          <a:lstStyle/>
+          <a:p>
+            <a:r>
+              <a:rPr lang="en-GB" sz="4000" dirty="0"/>
+              <a:t>Python Environments</a:t>
+            </a:r>
+          </a:p>
+        </p:txBody>
+      </p:sp>
+      <p:sp>
+        <p:nvSpPr>
+          <p:cNvPr id="3" name="Content Placeholder 2"/>
+          <p:cNvSpPr>
+            <a:spLocks noGrp="1"/>
+          </p:cNvSpPr>
+          <p:nvPr>
+            <p:ph idx="1"/>
+          </p:nvPr>
+        </p:nvSpPr>
+        <p:spPr>
+          <a:xfrm>
+            <a:off x="457200" y="1600200"/>
+            <a:ext cx="8435280" cy="4876800"/>
+          </a:xfrm>
+        </p:spPr>
+        <p:txBody>
+          <a:bodyPr>
+            <a:normAutofit/>
+          </a:bodyPr>
+          <a:lstStyle/>
+          <a:p>
+            <a:pPr>
+              <a:lnSpc>
+                <a:spcPct val="107000"/>
+              </a:lnSpc>
+            </a:pPr>
+            <a:r>
+              <a:rPr lang="en-GB" sz="3000" dirty="0">
+                <a:latin typeface="Arial" panose="020B0604020202020204" pitchFamily="34" charset="0"/>
+                <a:cs typeface="Arial" panose="020B0604020202020204" pitchFamily="34" charset="0"/>
+              </a:rPr>
+              <a:t>An isolated group of installed packages</a:t>
+            </a:r>
+            <a:endParaRPr lang="en-GB" sz="2600" dirty="0">
+              <a:latin typeface="Arial" panose="020B0604020202020204" pitchFamily="34" charset="0"/>
+              <a:cs typeface="Arial" panose="020B0604020202020204" pitchFamily="34" charset="0"/>
+            </a:endParaRPr>
+          </a:p>
+        </p:txBody>
+      </p:sp>
+    </p:spTree>
+    <p:extLst>
+      <p:ext uri="{BB962C8B-B14F-4D97-AF65-F5344CB8AC3E}">
+        <p14:creationId xmlns:p14="http://schemas.microsoft.com/office/powerpoint/2010/main" val="3525808550"/>
+      </p:ext>
+    </p:extLst>
+  </p:cSld>
+  <p:clrMapOvr>
+    <a:masterClrMapping/>
+  </p:clrMapOvr>
+  <mc:AlternateContent xmlns:mc="http://schemas.openxmlformats.org/markup-compatibility/2006">
+    <mc:Choice xmlns:p14="http://schemas.microsoft.com/office/powerpoint/2010/main" Requires="p14">
+      <p:transition p14:dur="10"/>
+    </mc:Choice>
+    <mc:Fallback>
+      <p:transition/>
+    </mc:Fallback>
+  </mc:AlternateContent>
+</p:sld>
+</file>
+
+<file path=ppt/slides/slide8.xml><?xml version="1.0" encoding="utf-8"?>
+<p:sld xmlns:a="http://schemas.openxmlformats.org/drawingml/2006/main" xmlns:r="http://schemas.openxmlformats.org/officeDocument/2006/relationships" xmlns:p="http://schemas.openxmlformats.org/presentationml/2006/main">
+  <p:cSld>
+    <p:spTree>
+      <p:nvGrpSpPr>
+        <p:cNvPr id="1" name=""/>
+        <p:cNvGrpSpPr/>
+        <p:nvPr/>
+      </p:nvGrpSpPr>
+      <p:grpSpPr>
+        <a:xfrm>
+          <a:off x="0" y="0"/>
+          <a:ext cx="0" cy="0"/>
+          <a:chOff x="0" y="0"/>
+          <a:chExt cx="0" cy="0"/>
+        </a:xfrm>
+      </p:grpSpPr>
+      <p:sp>
+        <p:nvSpPr>
+          <p:cNvPr id="2" name="Title 1"/>
+          <p:cNvSpPr>
+            <a:spLocks noGrp="1"/>
+          </p:cNvSpPr>
+          <p:nvPr>
+            <p:ph type="title"/>
+          </p:nvPr>
+        </p:nvSpPr>
+        <p:spPr/>
+        <p:txBody>
+          <a:bodyPr/>
+          <a:lstStyle/>
+          <a:p>
+            <a:r>
+              <a:rPr lang="en-GB" sz="4000" dirty="0"/>
               <a:t>Feedback</a:t>
             </a:r>
           </a:p>
@@ -4881,7 +5683,7 @@
 </p:sld>
 </file>
 
-<file path=ppt/slides/slide7.xml><?xml version="1.0" encoding="utf-8"?>
+<file path=ppt/slides/slide9.xml><?xml version="1.0" encoding="utf-8"?>
 <p:sld xmlns:a="http://schemas.openxmlformats.org/drawingml/2006/main" xmlns:r="http://schemas.openxmlformats.org/officeDocument/2006/relationships" xmlns:p="http://schemas.openxmlformats.org/presentationml/2006/main">
   <p:cSld>
     <p:spTree>

--- a/Kernels Environments Packages and Running Python Slides.pptx
+++ b/Kernels Environments Packages and Running Python Slides.pptx
@@ -5,21 +5,22 @@
     <p:sldMasterId id="2147483648" r:id="rId1"/>
   </p:sldMasterIdLst>
   <p:notesMasterIdLst>
-    <p:notesMasterId r:id="rId11"/>
+    <p:notesMasterId r:id="rId12"/>
   </p:notesMasterIdLst>
   <p:handoutMasterIdLst>
-    <p:handoutMasterId r:id="rId12"/>
+    <p:handoutMasterId r:id="rId13"/>
   </p:handoutMasterIdLst>
   <p:sldIdLst>
     <p:sldId id="264" r:id="rId2"/>
-    <p:sldId id="258" r:id="rId3"/>
-    <p:sldId id="257" r:id="rId4"/>
-    <p:sldId id="267" r:id="rId5"/>
-    <p:sldId id="330" r:id="rId6"/>
-    <p:sldId id="332" r:id="rId7"/>
-    <p:sldId id="331" r:id="rId8"/>
-    <p:sldId id="329" r:id="rId9"/>
-    <p:sldId id="280" r:id="rId10"/>
+    <p:sldId id="504" r:id="rId3"/>
+    <p:sldId id="258" r:id="rId4"/>
+    <p:sldId id="257" r:id="rId5"/>
+    <p:sldId id="267" r:id="rId6"/>
+    <p:sldId id="330" r:id="rId7"/>
+    <p:sldId id="332" r:id="rId8"/>
+    <p:sldId id="331" r:id="rId9"/>
+    <p:sldId id="329" r:id="rId10"/>
+    <p:sldId id="280" r:id="rId11"/>
   </p:sldIdLst>
   <p:sldSz cx="9144000" cy="6858000" type="screen4x3"/>
   <p:notesSz cx="7099300" cy="10234613"/>
@@ -124,6 +125,7 @@
         <p14:section name="Introduction" id="{45EEEAF5-8C61-4410-A3AB-B2CD0B57ECF0}">
           <p14:sldIdLst>
             <p14:sldId id="264"/>
+            <p14:sldId id="504"/>
             <p14:sldId id="258"/>
             <p14:sldId id="257"/>
             <p14:sldId id="267"/>
@@ -406,7 +408,7 @@
           <a:p>
             <a:fld id="{88EB714B-C3CC-4216-88C1-02913905B1CF}" type="datetimeFigureOut">
               <a:rPr lang="en-GB" smtClean="0"/>
-              <a:t>06/10/2021</a:t>
+              <a:t>12/10/2021</a:t>
             </a:fld>
             <a:endParaRPr lang="en-GB"/>
           </a:p>
@@ -990,7 +992,7 @@
           <a:p>
             <a:fld id="{6A641EC8-C9F8-4A58-A1A7-F7D817526EEC}" type="slidenum">
               <a:rPr lang="en-GB" smtClean="0"/>
-              <a:t>4</a:t>
+              <a:t>5</a:t>
             </a:fld>
             <a:endParaRPr lang="en-GB"/>
           </a:p>
@@ -1074,7 +1076,7 @@
           <a:p>
             <a:fld id="{6A641EC8-C9F8-4A58-A1A7-F7D817526EEC}" type="slidenum">
               <a:rPr lang="en-GB" smtClean="0"/>
-              <a:t>5</a:t>
+              <a:t>6</a:t>
             </a:fld>
             <a:endParaRPr lang="en-GB"/>
           </a:p>
@@ -1158,7 +1160,7 @@
           <a:p>
             <a:fld id="{6A641EC8-C9F8-4A58-A1A7-F7D817526EEC}" type="slidenum">
               <a:rPr lang="en-GB" smtClean="0"/>
-              <a:t>6</a:t>
+              <a:t>7</a:t>
             </a:fld>
             <a:endParaRPr lang="en-GB"/>
           </a:p>
@@ -1242,7 +1244,7 @@
           <a:p>
             <a:fld id="{6A641EC8-C9F8-4A58-A1A7-F7D817526EEC}" type="slidenum">
               <a:rPr lang="en-GB" smtClean="0"/>
-              <a:t>7</a:t>
+              <a:t>8</a:t>
             </a:fld>
             <a:endParaRPr lang="en-GB"/>
           </a:p>
@@ -1326,7 +1328,7 @@
           <a:p>
             <a:fld id="{6A641EC8-C9F8-4A58-A1A7-F7D817526EEC}" type="slidenum">
               <a:rPr lang="en-GB" smtClean="0"/>
-              <a:t>8</a:t>
+              <a:t>9</a:t>
             </a:fld>
             <a:endParaRPr lang="en-GB"/>
           </a:p>
@@ -1522,7 +1524,7 @@
                   <a:spcPct val="0"/>
                 </a:spcBef>
               </a:pPr>
-              <a:t>9</a:t>
+              <a:t>10</a:t>
             </a:fld>
             <a:endParaRPr lang="en-US" altLang="en-US"/>
           </a:p>
@@ -1955,7 +1957,7 @@
           <a:p>
             <a:fld id="{EB0080F8-EA1C-491D-963C-2C881B2F918F}" type="datetimeFigureOut">
               <a:rPr lang="en-GB" smtClean="0"/>
-              <a:t>06/10/2021</a:t>
+              <a:t>12/10/2021</a:t>
             </a:fld>
             <a:endParaRPr lang="en-GB"/>
           </a:p>
@@ -2105,7 +2107,7 @@
           <a:p>
             <a:fld id="{EB0080F8-EA1C-491D-963C-2C881B2F918F}" type="datetimeFigureOut">
               <a:rPr lang="en-GB" smtClean="0"/>
-              <a:t>06/10/2021</a:t>
+              <a:t>12/10/2021</a:t>
             </a:fld>
             <a:endParaRPr lang="en-GB"/>
           </a:p>
@@ -3638,7 +3640,7 @@
           <a:p>
             <a:fld id="{EB0080F8-EA1C-491D-963C-2C881B2F918F}" type="datetimeFigureOut">
               <a:rPr lang="en-GB" smtClean="0"/>
-              <a:t>06/10/2021</a:t>
+              <a:t>12/10/2021</a:t>
             </a:fld>
             <a:endParaRPr lang="en-GB"/>
           </a:p>
@@ -4141,6 +4143,144 @@
 </p:sld>
 </file>
 
+<file path=ppt/slides/slide10.xml><?xml version="1.0" encoding="utf-8"?>
+<p:sld xmlns:a="http://schemas.openxmlformats.org/drawingml/2006/main" xmlns:r="http://schemas.openxmlformats.org/officeDocument/2006/relationships" xmlns:p="http://schemas.openxmlformats.org/presentationml/2006/main">
+  <p:cSld>
+    <p:spTree>
+      <p:nvGrpSpPr>
+        <p:cNvPr id="1" name=""/>
+        <p:cNvGrpSpPr/>
+        <p:nvPr/>
+      </p:nvGrpSpPr>
+      <p:grpSpPr>
+        <a:xfrm>
+          <a:off x="0" y="0"/>
+          <a:ext cx="0" cy="0"/>
+          <a:chOff x="0" y="0"/>
+          <a:chExt cx="0" cy="0"/>
+        </a:xfrm>
+      </p:grpSpPr>
+      <p:sp>
+        <p:nvSpPr>
+          <p:cNvPr id="3074" name="Rectangle 2"/>
+          <p:cNvSpPr>
+            <a:spLocks noGrp="1" noChangeArrowheads="1"/>
+          </p:cNvSpPr>
+          <p:nvPr>
+            <p:ph type="title"/>
+          </p:nvPr>
+        </p:nvSpPr>
+        <p:spPr>
+          <a:xfrm>
+            <a:off x="401319" y="1270635"/>
+            <a:ext cx="7693810" cy="1567815"/>
+          </a:xfrm>
+        </p:spPr>
+        <p:txBody>
+          <a:bodyPr>
+            <a:noAutofit/>
+          </a:bodyPr>
+          <a:lstStyle/>
+          <a:p>
+            <a:pPr marL="0" indent="0"/>
+            <a:r>
+              <a:rPr lang="en-GB" sz="4000" b="1" dirty="0"/>
+              <a:t>Kernels, Environments, Packages and Running Python </a:t>
+            </a:r>
+          </a:p>
+        </p:txBody>
+      </p:sp>
+      <p:sp>
+        <p:nvSpPr>
+          <p:cNvPr id="6" name="Subtitle 2">
+            <a:extLst>
+              <a:ext uri="{FF2B5EF4-FFF2-40B4-BE49-F238E27FC236}">
+                <a16:creationId xmlns:a16="http://schemas.microsoft.com/office/drawing/2014/main" id="{8DBC1236-D25D-4DD9-A904-CB0180288957}"/>
+              </a:ext>
+            </a:extLst>
+          </p:cNvPr>
+          <p:cNvSpPr>
+            <a:spLocks noGrp="1"/>
+          </p:cNvSpPr>
+          <p:nvPr>
+            <p:ph type="subTitle" idx="1"/>
+          </p:nvPr>
+        </p:nvSpPr>
+        <p:spPr>
+          <a:xfrm>
+            <a:off x="401319" y="3194756"/>
+            <a:ext cx="8341362" cy="383822"/>
+          </a:xfrm>
+        </p:spPr>
+        <p:txBody>
+          <a:bodyPr/>
+          <a:lstStyle/>
+          <a:p>
+            <a:r>
+              <a:rPr lang="en-GB" sz="1400" dirty="0"/>
+              <a:t>Distributed under </a:t>
+            </a:r>
+            <a:r>
+              <a:rPr lang="en-GB" sz="1400" dirty="0">
+                <a:hlinkClick r:id="rId3"/>
+              </a:rPr>
+              <a:t>Creative Commons Attribution-</a:t>
+            </a:r>
+            <a:r>
+              <a:rPr lang="en-GB" sz="1400" dirty="0" err="1">
+                <a:hlinkClick r:id="rId3"/>
+              </a:rPr>
+              <a:t>NonCommercial</a:t>
+            </a:r>
+            <a:r>
+              <a:rPr lang="en-GB" sz="1400" dirty="0">
+                <a:hlinkClick r:id="rId3"/>
+              </a:rPr>
+              <a:t>-</a:t>
+            </a:r>
+            <a:r>
+              <a:rPr lang="en-GB" sz="1400" dirty="0" err="1">
+                <a:hlinkClick r:id="rId3"/>
+              </a:rPr>
+              <a:t>ShareAlike</a:t>
+            </a:r>
+            <a:r>
+              <a:rPr lang="en-GB" sz="1400" dirty="0">
+                <a:hlinkClick r:id="rId3"/>
+              </a:rPr>
+              <a:t> 4.0 International</a:t>
+            </a:r>
+            <a:endParaRPr lang="en-GB" sz="1400" dirty="0"/>
+          </a:p>
+          <a:p>
+            <a:r>
+              <a:rPr lang="en-GB" sz="2400" dirty="0"/>
+              <a:t> </a:t>
+            </a:r>
+          </a:p>
+        </p:txBody>
+      </p:sp>
+    </p:spTree>
+    <p:extLst>
+      <p:ext uri="{BB962C8B-B14F-4D97-AF65-F5344CB8AC3E}">
+        <p14:creationId xmlns:p14="http://schemas.microsoft.com/office/powerpoint/2010/main" val="3649744382"/>
+      </p:ext>
+    </p:extLst>
+  </p:cSld>
+  <p:clrMapOvr>
+    <a:masterClrMapping/>
+  </p:clrMapOvr>
+  <mc:AlternateContent xmlns:mc="http://schemas.openxmlformats.org/markup-compatibility/2006" xmlns:p14="http://schemas.microsoft.com/office/powerpoint/2010/main">
+    <mc:Choice Requires="p14">
+      <p:transition p14:dur="10"/>
+    </mc:Choice>
+    <mc:Fallback xmlns="">
+      <p:transition/>
+    </mc:Fallback>
+  </mc:AlternateContent>
+</p:sld>
+</file>
+
 <file path=ppt/slides/slide2.xml><?xml version="1.0" encoding="utf-8"?>
 <p:sld xmlns:a="http://schemas.openxmlformats.org/drawingml/2006/main" xmlns:r="http://schemas.openxmlformats.org/officeDocument/2006/relationships" xmlns:p="http://schemas.openxmlformats.org/presentationml/2006/main">
   <p:cSld>
@@ -4160,184 +4300,104 @@
       </p:grpSpPr>
       <p:sp>
         <p:nvSpPr>
-          <p:cNvPr id="4" name="Title 1"/>
-          <p:cNvSpPr txBox="1">
-            <a:spLocks/>
-          </p:cNvSpPr>
-          <p:nvPr/>
+          <p:cNvPr id="2" name="Title 1"/>
+          <p:cNvSpPr>
+            <a:spLocks noGrp="1"/>
+          </p:cNvSpPr>
+          <p:nvPr>
+            <p:ph type="title"/>
+          </p:nvPr>
         </p:nvSpPr>
         <p:spPr>
           <a:xfrm>
-            <a:off x="401320" y="472966"/>
-            <a:ext cx="5778764" cy="961696"/>
+            <a:off x="401319" y="1431416"/>
+            <a:ext cx="8388117" cy="4549506"/>
+          </a:xfrm>
+        </p:spPr>
+        <p:txBody>
+          <a:bodyPr/>
+          <a:lstStyle/>
+          <a:p>
+            <a:pPr algn="ctr"/>
+            <a:r>
+              <a:rPr lang="en-GB" sz="2800" u="sng" dirty="0"/>
+              <a:t>Important Information on Marking your Attendance on Inkpath</a:t>
+            </a:r>
+            <a:br>
+              <a:rPr lang="en-GB" sz="2800" u="sng" dirty="0"/>
+            </a:br>
+            <a:br>
+              <a:rPr lang="en-GB" sz="2800" u="sng" dirty="0"/>
+            </a:br>
+            <a:br>
+              <a:rPr lang="en-GB" sz="2800" dirty="0"/>
+            </a:br>
+            <a:r>
+              <a:rPr lang="en-GB" sz="2800" dirty="0"/>
+              <a:t>After this course you will receive an email from the Graduate School administration team which will provide you with a QR code and instructions to mark your attendance at this course on Inkpath. </a:t>
+            </a:r>
+            <a:br>
+              <a:rPr lang="en-GB" sz="2800" dirty="0"/>
+            </a:br>
+            <a:br>
+              <a:rPr lang="en-GB" sz="2800" dirty="0"/>
+            </a:br>
+            <a:r>
+              <a:rPr lang="en-GB" sz="2800" dirty="0"/>
+              <a:t>Please </a:t>
+            </a:r>
+            <a:r>
+              <a:rPr lang="en-GB" sz="2800" u="sng" dirty="0"/>
+              <a:t>do not</a:t>
+            </a:r>
+            <a:r>
+              <a:rPr lang="en-GB" sz="2800" dirty="0"/>
+              <a:t> mark your attendance until you have received an email from the Graduate School. </a:t>
+            </a:r>
+          </a:p>
+        </p:txBody>
+      </p:sp>
+      <p:sp>
+        <p:nvSpPr>
+          <p:cNvPr id="7" name="TextBox 6"/>
+          <p:cNvSpPr txBox="1"/>
+          <p:nvPr/>
+        </p:nvSpPr>
+        <p:spPr>
+          <a:xfrm>
+            <a:off x="552450" y="3214433"/>
+            <a:ext cx="2171700" cy="830997"/>
           </a:xfrm>
           <a:prstGeom prst="rect">
             <a:avLst/>
           </a:prstGeom>
+          <a:noFill/>
         </p:spPr>
         <p:txBody>
-          <a:bodyPr anchor="b"/>
-          <a:lstStyle>
-            <a:lvl1pPr algn="l" defTabSz="457200" rtl="0" eaLnBrk="1" latinLnBrk="0" hangingPunct="1">
-              <a:lnSpc>
-                <a:spcPct val="90000"/>
-              </a:lnSpc>
-              <a:spcBef>
-                <a:spcPct val="0"/>
-              </a:spcBef>
-              <a:buNone/>
-              <a:defRPr sz="4000" b="1" i="0" kern="1200" baseline="0">
-                <a:solidFill>
-                  <a:schemeClr val="tx2"/>
-                </a:solidFill>
-                <a:latin typeface="+mj-lt"/>
-                <a:ea typeface="+mj-ea"/>
-                <a:cs typeface="MetaOT-Bold"/>
-              </a:defRPr>
-            </a:lvl1pPr>
-          </a:lstStyle>
-          <a:p>
-            <a:r>
-              <a:rPr lang="en-US" sz="3200" dirty="0">
-                <a:solidFill>
-                  <a:schemeClr val="accent3"/>
-                </a:solidFill>
-              </a:rPr>
-              <a:t>Expectations:  Covid-safe teaching environments</a:t>
-            </a:r>
-          </a:p>
-        </p:txBody>
-      </p:sp>
-      <p:sp>
-        <p:nvSpPr>
-          <p:cNvPr id="5" name="Subtitle 2"/>
-          <p:cNvSpPr>
-            <a:spLocks noGrp="1"/>
-          </p:cNvSpPr>
-          <p:nvPr>
-            <p:ph type="subTitle" idx="1"/>
-          </p:nvPr>
-        </p:nvSpPr>
-        <p:spPr>
-          <a:xfrm>
-            <a:off x="401320" y="1631731"/>
-            <a:ext cx="8490432" cy="4548352"/>
-          </a:xfrm>
-        </p:spPr>
-        <p:txBody>
-          <a:bodyPr lIns="91440" tIns="45720" rIns="91440" bIns="45720" anchor="t"/>
+          <a:bodyPr wrap="square" rtlCol="0">
+            <a:spAutoFit/>
+          </a:bodyPr>
           <a:lstStyle/>
           <a:p>
-            <a:r>
-              <a:rPr lang="en-US" sz="2200" u="sng" dirty="0">
-                <a:ea typeface="+mj-lt"/>
-                <a:cs typeface="+mj-lt"/>
-              </a:rPr>
-              <a:t>Face coverings</a:t>
-            </a:r>
-          </a:p>
-          <a:p>
-            <a:pPr marL="457200" indent="-457200">
-              <a:buFont typeface="Arial" panose="020B0604020202020204" pitchFamily="34" charset="0"/>
-              <a:buChar char="•"/>
-            </a:pPr>
-            <a:r>
-              <a:rPr lang="en-GB" sz="2200" dirty="0">
-                <a:latin typeface="+mn-lt"/>
-                <a:ea typeface="Calibri" panose="020F0502020204030204" pitchFamily="34" charset="0"/>
-                <a:cs typeface="Times New Roman"/>
-              </a:rPr>
-              <a:t>You are expected to wear a face covering </a:t>
-            </a:r>
-            <a:endParaRPr lang="en-GB" sz="2200" dirty="0"/>
-          </a:p>
-          <a:p>
-            <a:pPr marL="457200" indent="-457200">
-              <a:buFont typeface="Arial" panose="020B0604020202020204" pitchFamily="34" charset="0"/>
-              <a:buChar char="•"/>
-            </a:pPr>
-            <a:r>
-              <a:rPr lang="en-US" sz="2200" dirty="0">
-                <a:ea typeface="+mj-lt"/>
-                <a:cs typeface="+mj-lt"/>
-              </a:rPr>
-              <a:t>Tutors will deliver their workshop 2 meters distance from </a:t>
-            </a:r>
-            <a:r>
-              <a:rPr lang="en-US" sz="2200">
-                <a:ea typeface="+mj-lt"/>
-                <a:cs typeface="+mj-lt"/>
-              </a:rPr>
-              <a:t>you </a:t>
-            </a:r>
-            <a:endParaRPr lang="en-US" sz="2200" dirty="0">
-              <a:ea typeface="+mj-lt"/>
-              <a:cs typeface="+mj-lt"/>
+            <a:endParaRPr lang="en-GB" sz="2400" dirty="0">
+              <a:solidFill>
+                <a:srgbClr val="002060"/>
+              </a:solidFill>
             </a:endParaRPr>
           </a:p>
           <a:p>
-            <a:endParaRPr lang="en-US" sz="2200" u="sng" dirty="0">
-              <a:latin typeface="+mn-lt"/>
-              <a:ea typeface="+mj-lt"/>
-              <a:cs typeface="+mj-lt"/>
+            <a:endParaRPr lang="en-GB" sz="2400" dirty="0">
+              <a:solidFill>
+                <a:srgbClr val="002060"/>
+              </a:solidFill>
             </a:endParaRPr>
-          </a:p>
-          <a:p>
-            <a:r>
-              <a:rPr lang="en-US" sz="2200" u="sng" dirty="0">
-                <a:latin typeface="+mn-lt"/>
-                <a:ea typeface="+mj-lt"/>
-                <a:cs typeface="+mj-lt"/>
-              </a:rPr>
-              <a:t>Hygiene</a:t>
-            </a:r>
-            <a:endParaRPr lang="en-GB" sz="2200" u="sng" dirty="0">
-              <a:latin typeface="+mn-lt"/>
-              <a:ea typeface="Calibri" panose="020F0502020204030204" pitchFamily="34" charset="0"/>
-              <a:cs typeface="Times New Roman"/>
-            </a:endParaRPr>
-          </a:p>
-          <a:p>
-            <a:pPr marL="457200" indent="-457200">
-              <a:buFont typeface="Arial" panose="020B0604020202020204" pitchFamily="34" charset="0"/>
-              <a:buChar char="•"/>
-            </a:pPr>
-            <a:r>
-              <a:rPr lang="en-US" sz="2200" dirty="0"/>
-              <a:t>Where hand </a:t>
-            </a:r>
-            <a:r>
-              <a:rPr lang="en-US" sz="2200" dirty="0" err="1"/>
-              <a:t>sanitiser</a:t>
-            </a:r>
-            <a:r>
-              <a:rPr lang="en-US" sz="2200" dirty="0"/>
-              <a:t> is available, please use it</a:t>
-            </a:r>
-          </a:p>
-          <a:p>
-            <a:pPr marL="457200" indent="-457200">
-              <a:buFont typeface="Arial" panose="020B0604020202020204" pitchFamily="34" charset="0"/>
-              <a:buChar char="•"/>
-            </a:pPr>
-            <a:r>
-              <a:rPr lang="en-US" sz="2200" dirty="0"/>
-              <a:t>Please wipe down any communal/shared course materials/equipment </a:t>
-            </a:r>
-          </a:p>
-          <a:p>
-            <a:pPr marL="457200" indent="-457200">
-              <a:buFont typeface="Arial" panose="020B0604020202020204" pitchFamily="34" charset="0"/>
-              <a:buChar char="•"/>
-            </a:pPr>
-            <a:endParaRPr lang="en-US" sz="2400" dirty="0"/>
           </a:p>
         </p:txBody>
       </p:sp>
     </p:spTree>
     <p:extLst>
       <p:ext uri="{BB962C8B-B14F-4D97-AF65-F5344CB8AC3E}">
-        <p14:creationId xmlns:p14="http://schemas.microsoft.com/office/powerpoint/2010/main" val="70908208"/>
+        <p14:creationId xmlns:p14="http://schemas.microsoft.com/office/powerpoint/2010/main" val="3686223621"/>
       </p:ext>
     </p:extLst>
   </p:cSld>
@@ -4374,8 +4434,8 @@
         </p:nvSpPr>
         <p:spPr>
           <a:xfrm>
-            <a:off x="401319" y="472966"/>
-            <a:ext cx="5558047" cy="930165"/>
+            <a:off x="401320" y="472966"/>
+            <a:ext cx="5778764" cy="961696"/>
           </a:xfrm>
           <a:prstGeom prst="rect">
             <a:avLst/>
@@ -4426,8 +4486,8 @@
         </p:nvSpPr>
         <p:spPr>
           <a:xfrm>
-            <a:off x="189186" y="1450427"/>
-            <a:ext cx="8797158" cy="4020208"/>
+            <a:off x="401320" y="1631731"/>
+            <a:ext cx="8490432" cy="4548352"/>
           </a:xfrm>
         </p:spPr>
         <p:txBody>
@@ -4435,66 +4495,115 @@
           <a:lstStyle/>
           <a:p>
             <a:r>
-              <a:rPr lang="en-US" sz="2200" u="sng" dirty="0"/>
-              <a:t>For the purpose of contact tracing</a:t>
-            </a:r>
-            <a:endParaRPr lang="en-US" sz="2200" dirty="0"/>
-          </a:p>
-          <a:p>
-            <a:endParaRPr lang="en-US" sz="2200" dirty="0"/>
-          </a:p>
-          <a:p>
-            <a:r>
-              <a:rPr lang="en-US" sz="2200" dirty="0"/>
-              <a:t>For our standard workshops:</a:t>
-            </a:r>
-          </a:p>
-          <a:p>
-            <a:pPr marL="342900" indent="-342900">
+              <a:rPr lang="en-US" sz="2200" u="sng" dirty="0">
+                <a:ea typeface="+mj-lt"/>
+                <a:cs typeface="+mj-lt"/>
+              </a:rPr>
+              <a:t>Face coverings</a:t>
+            </a:r>
+          </a:p>
+          <a:p>
+            <a:pPr marL="457200" indent="-457200">
               <a:buFont typeface="Arial" panose="020B0604020202020204" pitchFamily="34" charset="0"/>
               <a:buChar char="•"/>
             </a:pPr>
             <a:r>
-              <a:rPr lang="en-US" sz="2200" dirty="0"/>
-              <a:t>We will provide the CCT Hub with the complete list of attendees at this workshop</a:t>
-            </a:r>
-          </a:p>
-          <a:p>
-            <a:endParaRPr lang="en-US" sz="2200" dirty="0"/>
-          </a:p>
-          <a:p>
-            <a:r>
-              <a:rPr lang="en-US" sz="2200" dirty="0"/>
-              <a:t>Where our workshops are held in lecture theatres:</a:t>
-            </a:r>
-          </a:p>
-          <a:p>
-            <a:pPr marL="342900" indent="-342900">
+              <a:rPr lang="en-GB" sz="2200" dirty="0">
+                <a:latin typeface="+mn-lt"/>
+                <a:ea typeface="Calibri" panose="020F0502020204030204" pitchFamily="34" charset="0"/>
+                <a:cs typeface="Times New Roman"/>
+              </a:rPr>
+              <a:t>You are expected to wear a face covering </a:t>
+            </a:r>
+            <a:endParaRPr lang="en-GB" sz="2200" dirty="0"/>
+          </a:p>
+          <a:p>
+            <a:pPr marL="457200" indent="-457200">
               <a:buFont typeface="Arial" panose="020B0604020202020204" pitchFamily="34" charset="0"/>
               <a:buChar char="•"/>
             </a:pPr>
             <a:r>
+              <a:rPr lang="en-US" sz="2200" dirty="0">
+                <a:ea typeface="+mj-lt"/>
+                <a:cs typeface="+mj-lt"/>
+              </a:rPr>
+              <a:t>Tutors will deliver their workshop 2 meters distance from </a:t>
+            </a:r>
+            <a:r>
+              <a:rPr lang="en-US" sz="2200">
+                <a:ea typeface="+mj-lt"/>
+                <a:cs typeface="+mj-lt"/>
+              </a:rPr>
+              <a:t>you </a:t>
+            </a:r>
+            <a:endParaRPr lang="en-US" sz="2200" dirty="0">
+              <a:ea typeface="+mj-lt"/>
+              <a:cs typeface="+mj-lt"/>
+            </a:endParaRPr>
+          </a:p>
+          <a:p>
+            <a:endParaRPr lang="en-US" sz="2200" u="sng" dirty="0">
+              <a:latin typeface="+mn-lt"/>
+              <a:ea typeface="+mj-lt"/>
+              <a:cs typeface="+mj-lt"/>
+            </a:endParaRPr>
+          </a:p>
+          <a:p>
+            <a:r>
+              <a:rPr lang="en-US" sz="2200" u="sng" dirty="0">
+                <a:latin typeface="+mn-lt"/>
+                <a:ea typeface="+mj-lt"/>
+                <a:cs typeface="+mj-lt"/>
+              </a:rPr>
+              <a:t>Hygiene</a:t>
+            </a:r>
+            <a:endParaRPr lang="en-GB" sz="2200" u="sng" dirty="0">
+              <a:latin typeface="+mn-lt"/>
+              <a:ea typeface="Calibri" panose="020F0502020204030204" pitchFamily="34" charset="0"/>
+              <a:cs typeface="Times New Roman"/>
+            </a:endParaRPr>
+          </a:p>
+          <a:p>
+            <a:pPr marL="457200" indent="-457200">
+              <a:buFont typeface="Arial" panose="020B0604020202020204" pitchFamily="34" charset="0"/>
+              <a:buChar char="•"/>
+            </a:pPr>
+            <a:r>
               <a:rPr lang="en-US" sz="2200" dirty="0"/>
-              <a:t>You should keep a record of colleagues that you are sat in </a:t>
-            </a:r>
-            <a:r>
-              <a:rPr lang="en-US" sz="2200"/>
-              <a:t>close contact with </a:t>
+              <a:t>Where hand </a:t>
+            </a:r>
+            <a:r>
+              <a:rPr lang="en-US" sz="2200" dirty="0" err="1"/>
+              <a:t>sanitiser</a:t>
             </a:r>
             <a:r>
               <a:rPr lang="en-US" sz="2200" dirty="0"/>
-              <a:t>(within 2 meters)</a:t>
-            </a:r>
-          </a:p>
-          <a:p>
-            <a:endParaRPr lang="en-US" dirty="0"/>
+              <a:t> is available, please use it</a:t>
+            </a:r>
+          </a:p>
+          <a:p>
+            <a:pPr marL="457200" indent="-457200">
+              <a:buFont typeface="Arial" panose="020B0604020202020204" pitchFamily="34" charset="0"/>
+              <a:buChar char="•"/>
+            </a:pPr>
+            <a:r>
+              <a:rPr lang="en-US" sz="2200" dirty="0"/>
+              <a:t>Please wipe down any communal/shared course materials/equipment </a:t>
+            </a:r>
+          </a:p>
+          <a:p>
+            <a:pPr marL="457200" indent="-457200">
+              <a:buFont typeface="Arial" panose="020B0604020202020204" pitchFamily="34" charset="0"/>
+              <a:buChar char="•"/>
+            </a:pPr>
+            <a:endParaRPr lang="en-US" sz="2400" dirty="0"/>
           </a:p>
         </p:txBody>
       </p:sp>
     </p:spTree>
     <p:extLst>
       <p:ext uri="{BB962C8B-B14F-4D97-AF65-F5344CB8AC3E}">
-        <p14:creationId xmlns:p14="http://schemas.microsoft.com/office/powerpoint/2010/main" val="3238657636"/>
+        <p14:creationId xmlns:p14="http://schemas.microsoft.com/office/powerpoint/2010/main" val="70908208"/>
       </p:ext>
     </p:extLst>
   </p:cSld>
@@ -4523,175 +4632,141 @@
       </p:grpSpPr>
       <p:sp>
         <p:nvSpPr>
-          <p:cNvPr id="2" name="Title 1"/>
-          <p:cNvSpPr>
-            <a:spLocks noGrp="1"/>
-          </p:cNvSpPr>
-          <p:nvPr>
-            <p:ph type="title"/>
-          </p:nvPr>
-        </p:nvSpPr>
-        <p:spPr/>
-        <p:txBody>
-          <a:bodyPr/>
-          <a:lstStyle/>
-          <a:p>
-            <a:r>
-              <a:rPr lang="en-GB" sz="4000" dirty="0"/>
-              <a:t>Learning Outcomes</a:t>
-            </a:r>
-          </a:p>
-        </p:txBody>
-      </p:sp>
-      <p:sp>
-        <p:nvSpPr>
-          <p:cNvPr id="3" name="Content Placeholder 2"/>
-          <p:cNvSpPr>
-            <a:spLocks noGrp="1"/>
-          </p:cNvSpPr>
-          <p:nvPr>
-            <p:ph idx="1"/>
-          </p:nvPr>
+          <p:cNvPr id="4" name="Title 1"/>
+          <p:cNvSpPr txBox="1">
+            <a:spLocks/>
+          </p:cNvSpPr>
+          <p:nvPr/>
         </p:nvSpPr>
         <p:spPr>
           <a:xfrm>
-            <a:off x="457200" y="1600200"/>
-            <a:ext cx="8435280" cy="4876800"/>
+            <a:off x="401319" y="472966"/>
+            <a:ext cx="5558047" cy="930165"/>
+          </a:xfrm>
+          <a:prstGeom prst="rect">
+            <a:avLst/>
+          </a:prstGeom>
+        </p:spPr>
+        <p:txBody>
+          <a:bodyPr anchor="b"/>
+          <a:lstStyle>
+            <a:lvl1pPr algn="l" defTabSz="457200" rtl="0" eaLnBrk="1" latinLnBrk="0" hangingPunct="1">
+              <a:lnSpc>
+                <a:spcPct val="90000"/>
+              </a:lnSpc>
+              <a:spcBef>
+                <a:spcPct val="0"/>
+              </a:spcBef>
+              <a:buNone/>
+              <a:defRPr sz="4000" b="1" i="0" kern="1200" baseline="0">
+                <a:solidFill>
+                  <a:schemeClr val="tx2"/>
+                </a:solidFill>
+                <a:latin typeface="+mj-lt"/>
+                <a:ea typeface="+mj-ea"/>
+                <a:cs typeface="MetaOT-Bold"/>
+              </a:defRPr>
+            </a:lvl1pPr>
+          </a:lstStyle>
+          <a:p>
+            <a:r>
+              <a:rPr lang="en-US" sz="3200" dirty="0">
+                <a:solidFill>
+                  <a:schemeClr val="accent3"/>
+                </a:solidFill>
+              </a:rPr>
+              <a:t>Expectations:  Covid-safe teaching environments</a:t>
+            </a:r>
+          </a:p>
+        </p:txBody>
+      </p:sp>
+      <p:sp>
+        <p:nvSpPr>
+          <p:cNvPr id="5" name="Subtitle 2"/>
+          <p:cNvSpPr>
+            <a:spLocks noGrp="1"/>
+          </p:cNvSpPr>
+          <p:nvPr>
+            <p:ph type="subTitle" idx="1"/>
+          </p:nvPr>
+        </p:nvSpPr>
+        <p:spPr>
+          <a:xfrm>
+            <a:off x="189186" y="1450427"/>
+            <a:ext cx="8797158" cy="4020208"/>
           </a:xfrm>
         </p:spPr>
         <p:txBody>
-          <a:bodyPr>
-            <a:normAutofit/>
-          </a:bodyPr>
+          <a:bodyPr lIns="91440" tIns="45720" rIns="91440" bIns="45720" anchor="t"/>
           <a:lstStyle/>
           <a:p>
-            <a:pPr marL="514350" lvl="0" indent="-514350">
-              <a:lnSpc>
-                <a:spcPct val="107000"/>
-              </a:lnSpc>
-              <a:buAutoNum type="arabicPeriod"/>
+            <a:r>
+              <a:rPr lang="en-US" sz="2200" u="sng" dirty="0"/>
+              <a:t>For the purpose of contact tracing</a:t>
+            </a:r>
+            <a:endParaRPr lang="en-US" sz="2200" dirty="0"/>
+          </a:p>
+          <a:p>
+            <a:endParaRPr lang="en-US" sz="2200" dirty="0"/>
+          </a:p>
+          <a:p>
+            <a:r>
+              <a:rPr lang="en-US" sz="2200" dirty="0"/>
+              <a:t>For our standard workshops:</a:t>
+            </a:r>
+          </a:p>
+          <a:p>
+            <a:pPr marL="342900" indent="-342900">
+              <a:buFont typeface="Arial" panose="020B0604020202020204" pitchFamily="34" charset="0"/>
+              <a:buChar char="•"/>
             </a:pPr>
             <a:r>
-              <a:rPr lang="en-GB" sz="3000" b="1" dirty="0">
-                <a:effectLst/>
-                <a:latin typeface="Arial" panose="020B0604020202020204" pitchFamily="34" charset="0"/>
-                <a:ea typeface="Calibri" panose="020F0502020204030204" pitchFamily="34" charset="0"/>
-                <a:cs typeface="Arial" panose="020B0604020202020204" pitchFamily="34" charset="0"/>
-              </a:rPr>
-              <a:t>Describe</a:t>
-            </a:r>
-            <a:r>
-              <a:rPr lang="en-GB" sz="3000" dirty="0">
-                <a:effectLst/>
-                <a:latin typeface="Arial" panose="020B0604020202020204" pitchFamily="34" charset="0"/>
-                <a:ea typeface="Calibri" panose="020F0502020204030204" pitchFamily="34" charset="0"/>
-                <a:cs typeface="Arial" panose="020B0604020202020204" pitchFamily="34" charset="0"/>
-              </a:rPr>
-              <a:t> the terms “installation”, “environment”, “packages” and “kernel”</a:t>
-            </a:r>
-          </a:p>
-          <a:p>
-            <a:pPr marL="514350" lvl="0" indent="-514350">
-              <a:lnSpc>
-                <a:spcPct val="107000"/>
-              </a:lnSpc>
-              <a:buAutoNum type="arabicPeriod"/>
+              <a:rPr lang="en-US" sz="2200" dirty="0"/>
+              <a:t>We will provide the CCT Hub with the complete list of attendees at this workshop</a:t>
+            </a:r>
+          </a:p>
+          <a:p>
+            <a:endParaRPr lang="en-US" sz="2200" dirty="0"/>
+          </a:p>
+          <a:p>
+            <a:r>
+              <a:rPr lang="en-US" sz="2200" dirty="0"/>
+              <a:t>Where our workshops are held in lecture theatres:</a:t>
+            </a:r>
+          </a:p>
+          <a:p>
+            <a:pPr marL="342900" indent="-342900">
+              <a:buFont typeface="Arial" panose="020B0604020202020204" pitchFamily="34" charset="0"/>
+              <a:buChar char="•"/>
             </a:pPr>
             <a:r>
-              <a:rPr lang="en-GB" sz="3000" b="1" dirty="0">
-                <a:effectLst/>
-                <a:latin typeface="Arial" panose="020B0604020202020204" pitchFamily="34" charset="0"/>
-                <a:ea typeface="Calibri" panose="020F0502020204030204" pitchFamily="34" charset="0"/>
-                <a:cs typeface="Arial" panose="020B0604020202020204" pitchFamily="34" charset="0"/>
-              </a:rPr>
-              <a:t>Manage</a:t>
-            </a:r>
-            <a:r>
-              <a:rPr lang="en-GB" sz="3000" dirty="0">
-                <a:effectLst/>
-                <a:latin typeface="Arial" panose="020B0604020202020204" pitchFamily="34" charset="0"/>
-                <a:ea typeface="Calibri" panose="020F0502020204030204" pitchFamily="34" charset="0"/>
-                <a:cs typeface="Arial" panose="020B0604020202020204" pitchFamily="34" charset="0"/>
-              </a:rPr>
-              <a:t> Python installations and environments</a:t>
-            </a:r>
-          </a:p>
-          <a:p>
-            <a:pPr marL="514350" lvl="0" indent="-514350">
-              <a:lnSpc>
-                <a:spcPct val="107000"/>
-              </a:lnSpc>
-              <a:buAutoNum type="arabicPeriod"/>
-            </a:pPr>
-            <a:r>
-              <a:rPr lang="en-GB" sz="3000" b="1" dirty="0">
-                <a:effectLst/>
-                <a:latin typeface="Arial" panose="020B0604020202020204" pitchFamily="34" charset="0"/>
-                <a:ea typeface="Calibri" panose="020F0502020204030204" pitchFamily="34" charset="0"/>
-                <a:cs typeface="Arial" panose="020B0604020202020204" pitchFamily="34" charset="0"/>
-              </a:rPr>
-              <a:t>Utilise</a:t>
-            </a:r>
-            <a:r>
-              <a:rPr lang="en-GB" sz="3000" dirty="0">
-                <a:effectLst/>
-                <a:latin typeface="Arial" panose="020B0604020202020204" pitchFamily="34" charset="0"/>
-                <a:ea typeface="Calibri" panose="020F0502020204030204" pitchFamily="34" charset="0"/>
-                <a:cs typeface="Arial" panose="020B0604020202020204" pitchFamily="34" charset="0"/>
-              </a:rPr>
-              <a:t> Jupyter Notebooks and IDEs to create and run Python code</a:t>
-            </a:r>
-          </a:p>
-          <a:p>
-            <a:pPr marL="514350" lvl="0" indent="-514350">
-              <a:lnSpc>
-                <a:spcPct val="107000"/>
-              </a:lnSpc>
-              <a:buAutoNum type="arabicPeriod"/>
-            </a:pPr>
-            <a:r>
-              <a:rPr lang="en-GB" sz="3000" b="1" dirty="0">
-                <a:effectLst/>
-                <a:latin typeface="Arial" panose="020B0604020202020204" pitchFamily="34" charset="0"/>
-                <a:ea typeface="Calibri" panose="020F0502020204030204" pitchFamily="34" charset="0"/>
-                <a:cs typeface="Arial" panose="020B0604020202020204" pitchFamily="34" charset="0"/>
-              </a:rPr>
-              <a:t>Create</a:t>
-            </a:r>
-            <a:r>
-              <a:rPr lang="en-GB" sz="3000" dirty="0">
-                <a:effectLst/>
-                <a:latin typeface="Arial" panose="020B0604020202020204" pitchFamily="34" charset="0"/>
-                <a:ea typeface="Calibri" panose="020F0502020204030204" pitchFamily="34" charset="0"/>
-                <a:cs typeface="Arial" panose="020B0604020202020204" pitchFamily="34" charset="0"/>
-              </a:rPr>
-              <a:t> basic Python programs which use command line options</a:t>
-            </a:r>
-            <a:endParaRPr lang="en-GB" sz="3000" dirty="0">
-              <a:latin typeface="Arial" panose="020B0604020202020204" pitchFamily="34" charset="0"/>
-              <a:cs typeface="Arial" panose="020B0604020202020204" pitchFamily="34" charset="0"/>
-            </a:endParaRPr>
+              <a:rPr lang="en-US" sz="2200" dirty="0"/>
+              <a:t>You should keep a record of colleagues that you are sat in </a:t>
+            </a:r>
+            <a:r>
+              <a:rPr lang="en-US" sz="2200"/>
+              <a:t>close contact with </a:t>
+            </a:r>
+            <a:r>
+              <a:rPr lang="en-US" sz="2200" dirty="0"/>
+              <a:t>(within 2 meters)</a:t>
+            </a:r>
+          </a:p>
+          <a:p>
+            <a:endParaRPr lang="en-US" dirty="0"/>
           </a:p>
         </p:txBody>
       </p:sp>
     </p:spTree>
     <p:extLst>
       <p:ext uri="{BB962C8B-B14F-4D97-AF65-F5344CB8AC3E}">
-        <p14:creationId xmlns:p14="http://schemas.microsoft.com/office/powerpoint/2010/main" val="3248724752"/>
+        <p14:creationId xmlns:p14="http://schemas.microsoft.com/office/powerpoint/2010/main" val="3238657636"/>
       </p:ext>
     </p:extLst>
   </p:cSld>
   <p:clrMapOvr>
     <a:masterClrMapping/>
   </p:clrMapOvr>
-  <mc:AlternateContent xmlns:mc="http://schemas.openxmlformats.org/markup-compatibility/2006" xmlns:p14="http://schemas.microsoft.com/office/powerpoint/2010/main">
-    <mc:Choice Requires="p14">
-      <p:transition p14:dur="10"/>
-    </mc:Choice>
-    <mc:Fallback xmlns="">
-      <p:transition/>
-    </mc:Fallback>
-  </mc:AlternateContent>
 </p:sld>
 </file>
 
@@ -4729,7 +4804,7 @@
           <a:p>
             <a:r>
               <a:rPr lang="en-GB" sz="4000" dirty="0"/>
-              <a:t>Python Installations</a:t>
+              <a:t>Learning Outcomes</a:t>
             </a:r>
           </a:p>
         </p:txBody>
@@ -4752,155 +4827,123 @@
         </p:spPr>
         <p:txBody>
           <a:bodyPr>
-            <a:normAutofit fontScale="92500" lnSpcReduction="20000"/>
+            <a:normAutofit/>
           </a:bodyPr>
           <a:lstStyle/>
           <a:p>
-            <a:pPr>
+            <a:pPr marL="514350" lvl="0" indent="-514350">
               <a:lnSpc>
                 <a:spcPct val="107000"/>
               </a:lnSpc>
+              <a:buAutoNum type="arabicPeriod"/>
             </a:pPr>
             <a:r>
-              <a:rPr lang="en-GB" sz="3000" dirty="0">
+              <a:rPr lang="en-GB" sz="3000" b="1" dirty="0">
+                <a:effectLst/>
                 <a:latin typeface="Arial" panose="020B0604020202020204" pitchFamily="34" charset="0"/>
+                <a:ea typeface="Calibri" panose="020F0502020204030204" pitchFamily="34" charset="0"/>
                 <a:cs typeface="Arial" panose="020B0604020202020204" pitchFamily="34" charset="0"/>
               </a:rPr>
-              <a:t>A particular instance of a program installed on your computer</a:t>
-            </a:r>
-          </a:p>
-          <a:p>
-            <a:pPr lvl="1">
+              <a:t>Describe</a:t>
+            </a:r>
+            <a:r>
+              <a:rPr lang="en-GB" sz="3000" dirty="0">
+                <a:effectLst/>
+                <a:latin typeface="Arial" panose="020B0604020202020204" pitchFamily="34" charset="0"/>
+                <a:ea typeface="Calibri" panose="020F0502020204030204" pitchFamily="34" charset="0"/>
+                <a:cs typeface="Arial" panose="020B0604020202020204" pitchFamily="34" charset="0"/>
+              </a:rPr>
+              <a:t> the terms “installation”, “environment”, “packages” and “kernel”</a:t>
+            </a:r>
+          </a:p>
+          <a:p>
+            <a:pPr marL="514350" lvl="0" indent="-514350">
               <a:lnSpc>
                 <a:spcPct val="107000"/>
               </a:lnSpc>
+              <a:buAutoNum type="arabicPeriod"/>
             </a:pPr>
             <a:r>
-              <a:rPr lang="en-GB" sz="2600" dirty="0">
+              <a:rPr lang="en-GB" sz="3000" b="1" dirty="0">
+                <a:effectLst/>
                 <a:latin typeface="Arial" panose="020B0604020202020204" pitchFamily="34" charset="0"/>
+                <a:ea typeface="Calibri" panose="020F0502020204030204" pitchFamily="34" charset="0"/>
                 <a:cs typeface="Arial" panose="020B0604020202020204" pitchFamily="34" charset="0"/>
               </a:rPr>
-              <a:t>Python</a:t>
-            </a:r>
-          </a:p>
-          <a:p>
-            <a:pPr lvl="1">
+              <a:t>Manage</a:t>
+            </a:r>
+            <a:r>
+              <a:rPr lang="en-GB" sz="3000" dirty="0">
+                <a:effectLst/>
+                <a:latin typeface="Arial" panose="020B0604020202020204" pitchFamily="34" charset="0"/>
+                <a:ea typeface="Calibri" panose="020F0502020204030204" pitchFamily="34" charset="0"/>
+                <a:cs typeface="Arial" panose="020B0604020202020204" pitchFamily="34" charset="0"/>
+              </a:rPr>
+              <a:t> Python installations and environments</a:t>
+            </a:r>
+          </a:p>
+          <a:p>
+            <a:pPr marL="514350" lvl="0" indent="-514350">
               <a:lnSpc>
                 <a:spcPct val="107000"/>
               </a:lnSpc>
+              <a:buAutoNum type="arabicPeriod"/>
             </a:pPr>
             <a:r>
-              <a:rPr lang="en-GB" sz="2600" dirty="0">
+              <a:rPr lang="en-GB" sz="3000" b="1" dirty="0">
+                <a:effectLst/>
                 <a:latin typeface="Arial" panose="020B0604020202020204" pitchFamily="34" charset="0"/>
+                <a:ea typeface="Calibri" panose="020F0502020204030204" pitchFamily="34" charset="0"/>
                 <a:cs typeface="Arial" panose="020B0604020202020204" pitchFamily="34" charset="0"/>
               </a:rPr>
-              <a:t>Anaconda</a:t>
-            </a:r>
-          </a:p>
-          <a:p>
-            <a:pPr>
+              <a:t>Utilise</a:t>
+            </a:r>
+            <a:r>
+              <a:rPr lang="en-GB" sz="3000" dirty="0">
+                <a:effectLst/>
+                <a:latin typeface="Arial" panose="020B0604020202020204" pitchFamily="34" charset="0"/>
+                <a:ea typeface="Calibri" panose="020F0502020204030204" pitchFamily="34" charset="0"/>
+                <a:cs typeface="Arial" panose="020B0604020202020204" pitchFamily="34" charset="0"/>
+              </a:rPr>
+              <a:t> Jupyter Notebooks and IDEs to create and run Python code</a:t>
+            </a:r>
+          </a:p>
+          <a:p>
+            <a:pPr marL="514350" lvl="0" indent="-514350">
               <a:lnSpc>
                 <a:spcPct val="107000"/>
               </a:lnSpc>
+              <a:buAutoNum type="arabicPeriod"/>
             </a:pPr>
             <a:r>
-              <a:rPr lang="en-GB" sz="3000" dirty="0">
+              <a:rPr lang="en-GB" sz="3000" b="1" dirty="0">
+                <a:effectLst/>
                 <a:latin typeface="Arial" panose="020B0604020202020204" pitchFamily="34" charset="0"/>
+                <a:ea typeface="Calibri" panose="020F0502020204030204" pitchFamily="34" charset="0"/>
                 <a:cs typeface="Arial" panose="020B0604020202020204" pitchFamily="34" charset="0"/>
               </a:rPr>
-              <a:t>Will be a particular version of Python e.g. 3.9 or 2.7</a:t>
-            </a:r>
-          </a:p>
-          <a:p>
-            <a:pPr lvl="1">
-              <a:lnSpc>
-                <a:spcPct val="107000"/>
-              </a:lnSpc>
-            </a:pPr>
-            <a:r>
-              <a:rPr lang="en-GB" sz="2600" dirty="0">
+              <a:t>Create</a:t>
+            </a:r>
+            <a:r>
+              <a:rPr lang="en-GB" sz="3000" dirty="0">
+                <a:effectLst/>
                 <a:latin typeface="Arial" panose="020B0604020202020204" pitchFamily="34" charset="0"/>
+                <a:ea typeface="Calibri" panose="020F0502020204030204" pitchFamily="34" charset="0"/>
                 <a:cs typeface="Arial" panose="020B0604020202020204" pitchFamily="34" charset="0"/>
               </a:rPr>
-              <a:t>Typing </a:t>
-            </a:r>
-            <a:r>
-              <a:rPr lang="en-GB" sz="2600" dirty="0">
-                <a:latin typeface="Courier New" panose="02070309020205020404" pitchFamily="49" charset="0"/>
-                <a:cs typeface="Courier New" panose="02070309020205020404" pitchFamily="49" charset="0"/>
-              </a:rPr>
-              <a:t>python</a:t>
-            </a:r>
-            <a:r>
-              <a:rPr lang="en-GB" sz="2600" dirty="0">
-                <a:latin typeface="Arial" panose="020B0604020202020204" pitchFamily="34" charset="0"/>
-                <a:cs typeface="Arial" panose="020B0604020202020204" pitchFamily="34" charset="0"/>
-              </a:rPr>
-              <a:t> in the terminal will give version number</a:t>
-            </a:r>
-          </a:p>
-          <a:p>
-            <a:pPr>
-              <a:lnSpc>
-                <a:spcPct val="107000"/>
-              </a:lnSpc>
-            </a:pPr>
-            <a:r>
-              <a:rPr lang="en-GB" sz="3000" dirty="0">
-                <a:latin typeface="Arial" panose="020B0604020202020204" pitchFamily="34" charset="0"/>
-                <a:cs typeface="Arial" panose="020B0604020202020204" pitchFamily="34" charset="0"/>
-              </a:rPr>
-              <a:t>Contains</a:t>
-            </a:r>
-          </a:p>
-          <a:p>
-            <a:pPr lvl="1">
-              <a:lnSpc>
-                <a:spcPct val="107000"/>
-              </a:lnSpc>
-            </a:pPr>
-            <a:r>
-              <a:rPr lang="en-GB" sz="2600" dirty="0">
-                <a:latin typeface="Arial" panose="020B0604020202020204" pitchFamily="34" charset="0"/>
-                <a:cs typeface="Arial" panose="020B0604020202020204" pitchFamily="34" charset="0"/>
-              </a:rPr>
-              <a:t>Python interpreter</a:t>
-            </a:r>
-          </a:p>
-          <a:p>
-            <a:pPr lvl="1">
-              <a:lnSpc>
-                <a:spcPct val="107000"/>
-              </a:lnSpc>
-            </a:pPr>
-            <a:r>
-              <a:rPr lang="en-GB" sz="2600" dirty="0">
-                <a:latin typeface="Arial" panose="020B0604020202020204" pitchFamily="34" charset="0"/>
-                <a:cs typeface="Arial" panose="020B0604020202020204" pitchFamily="34" charset="0"/>
-              </a:rPr>
-              <a:t>Core Python functionality</a:t>
-            </a:r>
-          </a:p>
-          <a:p>
-            <a:pPr lvl="1">
-              <a:lnSpc>
-                <a:spcPct val="107000"/>
-              </a:lnSpc>
-            </a:pPr>
-            <a:r>
-              <a:rPr lang="en-GB" sz="2600" dirty="0">
-                <a:latin typeface="Arial" panose="020B0604020202020204" pitchFamily="34" charset="0"/>
-                <a:cs typeface="Arial" panose="020B0604020202020204" pitchFamily="34" charset="0"/>
-              </a:rPr>
-              <a:t>Commonly used modules</a:t>
-            </a:r>
+              <a:t> basic Python programs which use command line options</a:t>
+            </a:r>
+            <a:endParaRPr lang="en-GB" sz="3000" dirty="0">
+              <a:latin typeface="Arial" panose="020B0604020202020204" pitchFamily="34" charset="0"/>
+              <a:cs typeface="Arial" panose="020B0604020202020204" pitchFamily="34" charset="0"/>
+            </a:endParaRPr>
           </a:p>
         </p:txBody>
       </p:sp>
     </p:spTree>
     <p:extLst>
       <p:ext uri="{BB962C8B-B14F-4D97-AF65-F5344CB8AC3E}">
-        <p14:creationId xmlns:p14="http://schemas.microsoft.com/office/powerpoint/2010/main" val="2809994231"/>
+        <p14:creationId xmlns:p14="http://schemas.microsoft.com/office/powerpoint/2010/main" val="3248724752"/>
       </p:ext>
     </p:extLst>
   </p:cSld>
@@ -4975,7 +5018,7 @@
         </p:spPr>
         <p:txBody>
           <a:bodyPr>
-            <a:normAutofit/>
+            <a:normAutofit fontScale="92500" lnSpcReduction="20000"/>
           </a:bodyPr>
           <a:lstStyle/>
           <a:p>
@@ -4989,7 +5032,7 @@
                 <a:latin typeface="Arial" panose="020B0604020202020204" pitchFamily="34" charset="0"/>
                 <a:cs typeface="Arial" panose="020B0604020202020204" pitchFamily="34" charset="0"/>
               </a:rPr>
-              <a:t>Python</a:t>
+              <a:t>A particular instance of a program installed on your computer</a:t>
             </a:r>
           </a:p>
           <a:p>
@@ -5003,20 +5046,8 @@
                 <a:latin typeface="Arial" panose="020B0604020202020204" pitchFamily="34" charset="0"/>
                 <a:cs typeface="Arial" panose="020B0604020202020204" pitchFamily="34" charset="0"/>
               </a:rPr>
-              <a:t>Install from the </a:t>
-            </a:r>
-            <a:r>
-              <a:rPr lang="en-GB" sz="2600" dirty="0">
-                <a:latin typeface="Arial" panose="020B0604020202020204" pitchFamily="34" charset="0"/>
-                <a:cs typeface="Arial" panose="020B0604020202020204" pitchFamily="34" charset="0"/>
-                <a:hlinkClick r:id="rId3"/>
-              </a:rPr>
-              <a:t>Python website </a:t>
-            </a:r>
-            <a:endParaRPr lang="en-GB" sz="2600" dirty="0">
-              <a:latin typeface="Arial" panose="020B0604020202020204" pitchFamily="34" charset="0"/>
-              <a:cs typeface="Arial" panose="020B0604020202020204" pitchFamily="34" charset="0"/>
-            </a:endParaRPr>
+              <a:t>Python</a:t>
+            </a:r>
           </a:p>
           <a:p>
             <a:pPr lvl="1">
@@ -5029,7 +5060,21 @@
                 <a:latin typeface="Arial" panose="020B0604020202020204" pitchFamily="34" charset="0"/>
                 <a:cs typeface="Arial" panose="020B0604020202020204" pitchFamily="34" charset="0"/>
               </a:rPr>
-              <a:t>Can have multiple versions installed</a:t>
+              <a:t>Anaconda</a:t>
+            </a:r>
+          </a:p>
+          <a:p>
+            <a:pPr>
+              <a:lnSpc>
+                <a:spcPct val="107000"/>
+              </a:lnSpc>
+            </a:pPr>
+            <a:r>
+              <a:rPr lang="en-GB" sz="3000" dirty="0">
+                <a:latin typeface="Arial" panose="020B0604020202020204" pitchFamily="34" charset="0"/>
+                <a:cs typeface="Arial" panose="020B0604020202020204" pitchFamily="34" charset="0"/>
+              </a:rPr>
+              <a:t>Will be a particular version of Python e.g. 3.9 or 2.7</a:t>
             </a:r>
           </a:p>
           <a:p>
@@ -5043,35 +5088,21 @@
                 <a:latin typeface="Arial" panose="020B0604020202020204" pitchFamily="34" charset="0"/>
                 <a:cs typeface="Arial" panose="020B0604020202020204" pitchFamily="34" charset="0"/>
               </a:rPr>
-              <a:t>“path” tells computer where to look for programs</a:t>
-            </a:r>
-          </a:p>
-          <a:p>
-            <a:pPr lvl="2">
-              <a:lnSpc>
-                <a:spcPct val="107000"/>
-              </a:lnSpc>
-            </a:pPr>
-            <a:r>
-              <a:rPr lang="en-GB" sz="2200" dirty="0">
+              <a:t>Typing </a:t>
+            </a:r>
+            <a:r>
+              <a:rPr lang="en-GB" sz="2600" dirty="0">
+                <a:latin typeface="Courier New" panose="02070309020205020404" pitchFamily="49" charset="0"/>
+                <a:cs typeface="Courier New" panose="02070309020205020404" pitchFamily="49" charset="0"/>
+              </a:rPr>
+              <a:t>python</a:t>
+            </a:r>
+            <a:r>
+              <a:rPr lang="en-GB" sz="2600" dirty="0">
                 <a:latin typeface="Arial" panose="020B0604020202020204" pitchFamily="34" charset="0"/>
                 <a:cs typeface="Arial" panose="020B0604020202020204" pitchFamily="34" charset="0"/>
               </a:rPr>
-              <a:t>Sometimes too </a:t>
-            </a:r>
-            <a:r>
-              <a:rPr lang="en-GB" sz="2200">
-                <a:latin typeface="Arial" panose="020B0604020202020204" pitchFamily="34" charset="0"/>
-                <a:cs typeface="Arial" panose="020B0604020202020204" pitchFamily="34" charset="0"/>
-              </a:rPr>
-              <a:t>many entries </a:t>
-            </a:r>
-            <a:r>
-              <a:rPr lang="en-GB" sz="2200" dirty="0">
-                <a:latin typeface="Arial" panose="020B0604020202020204" pitchFamily="34" charset="0"/>
-                <a:cs typeface="Arial" panose="020B0604020202020204" pitchFamily="34" charset="0"/>
-              </a:rPr>
-              <a:t>on path can lead to problems</a:t>
+              <a:t> in the terminal will give version number</a:t>
             </a:r>
           </a:p>
           <a:p>
@@ -5081,16 +5112,12 @@
               </a:lnSpc>
             </a:pPr>
             <a:r>
-              <a:rPr lang="en-GB" sz="3000" dirty="0" err="1">
+              <a:rPr lang="en-GB" sz="3000" dirty="0">
                 <a:latin typeface="Arial" panose="020B0604020202020204" pitchFamily="34" charset="0"/>
                 <a:cs typeface="Arial" panose="020B0604020202020204" pitchFamily="34" charset="0"/>
               </a:rPr>
-              <a:t>Ancaonda</a:t>
-            </a:r>
-            <a:endParaRPr lang="en-GB" sz="3000" dirty="0">
-              <a:latin typeface="Arial" panose="020B0604020202020204" pitchFamily="34" charset="0"/>
-              <a:cs typeface="Arial" panose="020B0604020202020204" pitchFamily="34" charset="0"/>
-            </a:endParaRPr>
+              <a:t>Contains</a:t>
+            </a:r>
           </a:p>
           <a:p>
             <a:pPr lvl="1">
@@ -5099,25 +5126,11 @@
               </a:lnSpc>
             </a:pPr>
             <a:r>
-              <a:rPr lang="en-GB" sz="2600" dirty="0" err="1">
-                <a:latin typeface="Courier New" panose="02070309020205020404" pitchFamily="49" charset="0"/>
-                <a:cs typeface="Courier New" panose="02070309020205020404" pitchFamily="49" charset="0"/>
-              </a:rPr>
-              <a:t>conda</a:t>
-            </a:r>
-            <a:r>
-              <a:rPr lang="en-GB" sz="2600" dirty="0">
-                <a:latin typeface="Courier New" panose="02070309020205020404" pitchFamily="49" charset="0"/>
-                <a:cs typeface="Courier New" panose="02070309020205020404" pitchFamily="49" charset="0"/>
-              </a:rPr>
-              <a:t> search python </a:t>
-            </a:r>
-            <a:r>
               <a:rPr lang="en-GB" sz="2600" dirty="0">
                 <a:latin typeface="Arial" panose="020B0604020202020204" pitchFamily="34" charset="0"/>
                 <a:cs typeface="Arial" panose="020B0604020202020204" pitchFamily="34" charset="0"/>
               </a:rPr>
-              <a:t>gives list of installations</a:t>
+              <a:t>Python interpreter</a:t>
             </a:r>
           </a:p>
           <a:p>
@@ -5126,321 +5139,45 @@
                 <a:spcPct val="107000"/>
               </a:lnSpc>
             </a:pPr>
-            <a:endParaRPr lang="en-GB" sz="2600" dirty="0">
-              <a:latin typeface="Arial" panose="020B0604020202020204" pitchFamily="34" charset="0"/>
-              <a:cs typeface="Arial" panose="020B0604020202020204" pitchFamily="34" charset="0"/>
-            </a:endParaRPr>
-          </a:p>
-        </p:txBody>
-      </p:sp>
-      <p:sp>
-        <p:nvSpPr>
-          <p:cNvPr id="4" name="Rectangle 1">
-            <a:extLst>
-              <a:ext uri="{FF2B5EF4-FFF2-40B4-BE49-F238E27FC236}">
-                <a16:creationId xmlns:a16="http://schemas.microsoft.com/office/drawing/2014/main" id="{803B62A5-972B-474D-BFE1-B41C6BD73BCA}"/>
-              </a:ext>
-            </a:extLst>
-          </p:cNvPr>
-          <p:cNvSpPr>
-            <a:spLocks noChangeArrowheads="1"/>
-          </p:cNvSpPr>
-          <p:nvPr/>
-        </p:nvSpPr>
-        <p:spPr bwMode="auto">
-          <a:xfrm>
-            <a:off x="0" y="0"/>
-            <a:ext cx="9144000" cy="457200"/>
-          </a:xfrm>
-          <a:prstGeom prst="rect">
-            <a:avLst/>
-          </a:prstGeom>
-          <a:solidFill>
-            <a:srgbClr val="EEEEEE"/>
-          </a:solidFill>
-          <a:ln>
-            <a:noFill/>
-          </a:ln>
-          <a:effectLst/>
-          <a:extLst>
-            <a:ext uri="{91240B29-F687-4F45-9708-019B960494DF}">
-              <a14:hiddenLine xmlns:a14="http://schemas.microsoft.com/office/drawing/2010/main" w="9525">
-                <a:solidFill>
-                  <a:schemeClr val="tx1"/>
-                </a:solidFill>
-                <a:miter lim="800000"/>
-                <a:headEnd/>
-                <a:tailEnd/>
-              </a14:hiddenLine>
-            </a:ext>
-            <a:ext uri="{AF507438-7753-43E0-B8FC-AC1667EBCBE1}">
-              <a14:hiddenEffects xmlns:a14="http://schemas.microsoft.com/office/drawing/2010/main">
-                <a:effectLst>
-                  <a:outerShdw dist="35921" dir="2700000" algn="ctr" rotWithShape="0">
-                    <a:schemeClr val="bg2"/>
-                  </a:outerShdw>
-                </a:effectLst>
-              </a14:hiddenEffects>
-            </a:ext>
-          </a:extLst>
-        </p:spPr>
-        <p:txBody>
-          <a:bodyPr vert="horz" wrap="none" lIns="0" tIns="0" rIns="0" bIns="0" numCol="1" anchor="ctr" anchorCtr="0" compatLnSpc="1">
-            <a:prstTxWarp prst="textNoShape">
-              <a:avLst/>
-            </a:prstTxWarp>
-            <a:spAutoFit/>
-          </a:bodyPr>
-          <a:lstStyle>
-            <a:lvl1pPr eaLnBrk="0" fontAlgn="base" hangingPunct="0">
-              <a:spcBef>
-                <a:spcPct val="30000"/>
-              </a:spcBef>
-              <a:spcAft>
-                <a:spcPct val="0"/>
-              </a:spcAft>
-              <a:defRPr sz="1200">
-                <a:solidFill>
-                  <a:schemeClr val="tx1"/>
-                </a:solidFill>
+            <a:r>
+              <a:rPr lang="en-GB" sz="2600" dirty="0">
                 <a:latin typeface="Arial" panose="020B0604020202020204" pitchFamily="34" charset="0"/>
-              </a:defRPr>
-            </a:lvl1pPr>
-            <a:lvl2pPr eaLnBrk="0" fontAlgn="base" hangingPunct="0">
-              <a:spcBef>
-                <a:spcPct val="30000"/>
-              </a:spcBef>
-              <a:spcAft>
-                <a:spcPct val="0"/>
-              </a:spcAft>
-              <a:defRPr sz="1200">
-                <a:solidFill>
-                  <a:schemeClr val="tx1"/>
-                </a:solidFill>
+                <a:cs typeface="Arial" panose="020B0604020202020204" pitchFamily="34" charset="0"/>
+              </a:rPr>
+              <a:t>Core Python functionality</a:t>
+            </a:r>
+          </a:p>
+          <a:p>
+            <a:pPr lvl="1">
+              <a:lnSpc>
+                <a:spcPct val="107000"/>
+              </a:lnSpc>
+            </a:pPr>
+            <a:r>
+              <a:rPr lang="en-GB" sz="2600" dirty="0">
                 <a:latin typeface="Arial" panose="020B0604020202020204" pitchFamily="34" charset="0"/>
-              </a:defRPr>
-            </a:lvl2pPr>
-            <a:lvl3pPr eaLnBrk="0" fontAlgn="base" hangingPunct="0">
-              <a:spcBef>
-                <a:spcPct val="30000"/>
-              </a:spcBef>
-              <a:spcAft>
-                <a:spcPct val="0"/>
-              </a:spcAft>
-              <a:defRPr sz="1200">
-                <a:solidFill>
-                  <a:schemeClr val="tx1"/>
-                </a:solidFill>
-                <a:latin typeface="Arial" panose="020B0604020202020204" pitchFamily="34" charset="0"/>
-              </a:defRPr>
-            </a:lvl3pPr>
-            <a:lvl4pPr eaLnBrk="0" fontAlgn="base" hangingPunct="0">
-              <a:spcBef>
-                <a:spcPct val="30000"/>
-              </a:spcBef>
-              <a:spcAft>
-                <a:spcPct val="0"/>
-              </a:spcAft>
-              <a:defRPr sz="1200">
-                <a:solidFill>
-                  <a:schemeClr val="tx1"/>
-                </a:solidFill>
-                <a:latin typeface="Arial" panose="020B0604020202020204" pitchFamily="34" charset="0"/>
-              </a:defRPr>
-            </a:lvl4pPr>
-            <a:lvl5pPr eaLnBrk="0" fontAlgn="base" hangingPunct="0">
-              <a:spcBef>
-                <a:spcPct val="30000"/>
-              </a:spcBef>
-              <a:spcAft>
-                <a:spcPct val="0"/>
-              </a:spcAft>
-              <a:defRPr sz="1200">
-                <a:solidFill>
-                  <a:schemeClr val="tx1"/>
-                </a:solidFill>
-                <a:latin typeface="Arial" panose="020B0604020202020204" pitchFamily="34" charset="0"/>
-              </a:defRPr>
-            </a:lvl5pPr>
-            <a:lvl6pPr eaLnBrk="0" fontAlgn="base" hangingPunct="0">
-              <a:spcBef>
-                <a:spcPct val="30000"/>
-              </a:spcBef>
-              <a:spcAft>
-                <a:spcPct val="0"/>
-              </a:spcAft>
-              <a:defRPr sz="1200">
-                <a:solidFill>
-                  <a:schemeClr val="tx1"/>
-                </a:solidFill>
-                <a:latin typeface="Arial" panose="020B0604020202020204" pitchFamily="34" charset="0"/>
-              </a:defRPr>
-            </a:lvl6pPr>
-            <a:lvl7pPr eaLnBrk="0" fontAlgn="base" hangingPunct="0">
-              <a:spcBef>
-                <a:spcPct val="30000"/>
-              </a:spcBef>
-              <a:spcAft>
-                <a:spcPct val="0"/>
-              </a:spcAft>
-              <a:defRPr sz="1200">
-                <a:solidFill>
-                  <a:schemeClr val="tx1"/>
-                </a:solidFill>
-                <a:latin typeface="Arial" panose="020B0604020202020204" pitchFamily="34" charset="0"/>
-              </a:defRPr>
-            </a:lvl7pPr>
-            <a:lvl8pPr eaLnBrk="0" fontAlgn="base" hangingPunct="0">
-              <a:spcBef>
-                <a:spcPct val="30000"/>
-              </a:spcBef>
-              <a:spcAft>
-                <a:spcPct val="0"/>
-              </a:spcAft>
-              <a:defRPr sz="1200">
-                <a:solidFill>
-                  <a:schemeClr val="tx1"/>
-                </a:solidFill>
-                <a:latin typeface="Arial" panose="020B0604020202020204" pitchFamily="34" charset="0"/>
-              </a:defRPr>
-            </a:lvl8pPr>
-            <a:lvl9pPr eaLnBrk="0" fontAlgn="base" hangingPunct="0">
-              <a:spcBef>
-                <a:spcPct val="30000"/>
-              </a:spcBef>
-              <a:spcAft>
-                <a:spcPct val="0"/>
-              </a:spcAft>
-              <a:defRPr sz="1200">
-                <a:solidFill>
-                  <a:schemeClr val="tx1"/>
-                </a:solidFill>
-                <a:latin typeface="Arial" panose="020B0604020202020204" pitchFamily="34" charset="0"/>
-              </a:defRPr>
-            </a:lvl9pPr>
-          </a:lstStyle>
-          <a:p>
-            <a:pPr marL="0" marR="0" lvl="0" indent="0" algn="l" defTabSz="914400" rtl="0" eaLnBrk="0" fontAlgn="base" latinLnBrk="0" hangingPunct="0">
-              <a:lnSpc>
-                <a:spcPct val="100000"/>
-              </a:lnSpc>
-              <a:spcBef>
-                <a:spcPct val="30000"/>
-              </a:spcBef>
-              <a:spcAft>
-                <a:spcPct val="0"/>
-              </a:spcAft>
-              <a:buClrTx/>
-              <a:buSzTx/>
-              <a:buFontTx/>
-              <a:buNone/>
-              <a:tabLst/>
-            </a:pPr>
-            <a:r>
-              <a:rPr kumimoji="0" lang="en-US" altLang="en-US" sz="1200" b="0" i="0" u="none" strike="noStrike" cap="none" normalizeH="0" baseline="0">
-                <a:ln>
-                  <a:noFill/>
-                </a:ln>
-                <a:solidFill>
-                  <a:schemeClr val="tx1"/>
-                </a:solidFill>
-                <a:effectLst/>
-                <a:latin typeface="Arial" panose="020B0604020202020204" pitchFamily="34" charset="0"/>
+                <a:cs typeface="Arial" panose="020B0604020202020204" pitchFamily="34" charset="0"/>
               </a:rPr>
-              <a:t>conda</a:t>
-            </a:r>
-            <a:r>
-              <a:rPr kumimoji="0" lang="en-US" altLang="en-US" sz="900" b="0" i="0" u="none" strike="noStrike" cap="none" normalizeH="0" baseline="0">
-                <a:ln>
-                  <a:noFill/>
-                </a:ln>
-                <a:solidFill>
-                  <a:srgbClr val="404040"/>
-                </a:solidFill>
-                <a:effectLst/>
-                <a:latin typeface="SFMono-Regular"/>
-              </a:rPr>
-              <a:t> </a:t>
-            </a:r>
-            <a:r>
-              <a:rPr kumimoji="0" lang="en-US" altLang="en-US" sz="1200" b="0" i="0" u="none" strike="noStrike" cap="none" normalizeH="0" baseline="0">
-                <a:ln>
-                  <a:noFill/>
-                </a:ln>
-                <a:solidFill>
-                  <a:schemeClr val="tx1"/>
-                </a:solidFill>
-                <a:effectLst/>
-                <a:latin typeface="Arial" panose="020B0604020202020204" pitchFamily="34" charset="0"/>
-              </a:rPr>
-              <a:t>search</a:t>
-            </a:r>
-            <a:r>
-              <a:rPr kumimoji="0" lang="en-US" altLang="en-US" sz="900" b="0" i="0" u="none" strike="noStrike" cap="none" normalizeH="0" baseline="0">
-                <a:ln>
-                  <a:noFill/>
-                </a:ln>
-                <a:solidFill>
-                  <a:srgbClr val="404040"/>
-                </a:solidFill>
-                <a:effectLst/>
-                <a:latin typeface="SFMono-Regular"/>
-              </a:rPr>
-              <a:t> </a:t>
-            </a:r>
-            <a:r>
-              <a:rPr kumimoji="0" lang="en-US" altLang="en-US" sz="1200" b="0" i="0" u="none" strike="noStrike" cap="none" normalizeH="0" baseline="0">
-                <a:ln>
-                  <a:noFill/>
-                </a:ln>
-                <a:solidFill>
-                  <a:schemeClr val="tx1"/>
-                </a:solidFill>
-                <a:effectLst/>
-                <a:latin typeface="Arial" panose="020B0604020202020204" pitchFamily="34" charset="0"/>
-              </a:rPr>
-              <a:t>python</a:t>
-            </a:r>
-            <a:r>
-              <a:rPr kumimoji="0" lang="en-US" altLang="en-US" sz="600" b="0" i="0" u="none" strike="noStrike" cap="none" normalizeH="0" baseline="0">
-                <a:ln>
-                  <a:noFill/>
-                </a:ln>
-                <a:solidFill>
-                  <a:schemeClr val="tx1"/>
-                </a:solidFill>
-                <a:effectLst/>
-              </a:rPr>
-              <a:t> </a:t>
-            </a:r>
-            <a:endParaRPr kumimoji="0" lang="en-US" altLang="en-US" sz="1200" b="0" i="0" u="none" strike="noStrike" cap="none" normalizeH="0" baseline="0">
-              <a:ln>
-                <a:noFill/>
-              </a:ln>
-              <a:solidFill>
-                <a:schemeClr val="tx1"/>
-              </a:solidFill>
-              <a:effectLst/>
-              <a:latin typeface="Arial" panose="020B0604020202020204" pitchFamily="34" charset="0"/>
-            </a:endParaRPr>
+              <a:t>Commonly used modules</a:t>
+            </a:r>
           </a:p>
         </p:txBody>
       </p:sp>
     </p:spTree>
     <p:extLst>
       <p:ext uri="{BB962C8B-B14F-4D97-AF65-F5344CB8AC3E}">
-        <p14:creationId xmlns:p14="http://schemas.microsoft.com/office/powerpoint/2010/main" val="149702747"/>
+        <p14:creationId xmlns:p14="http://schemas.microsoft.com/office/powerpoint/2010/main" val="2809994231"/>
       </p:ext>
     </p:extLst>
   </p:cSld>
   <p:clrMapOvr>
     <a:masterClrMapping/>
   </p:clrMapOvr>
-  <mc:AlternateContent xmlns:mc="http://schemas.openxmlformats.org/markup-compatibility/2006">
-    <mc:Choice xmlns:p14="http://schemas.microsoft.com/office/powerpoint/2010/main" Requires="p14">
+  <mc:AlternateContent xmlns:mc="http://schemas.openxmlformats.org/markup-compatibility/2006" xmlns:p14="http://schemas.microsoft.com/office/powerpoint/2010/main">
+    <mc:Choice Requires="p14">
       <p:transition p14:dur="10"/>
     </mc:Choice>
-    <mc:Fallback>
+    <mc:Fallback xmlns="">
       <p:transition/>
     </mc:Fallback>
   </mc:AlternateContent>
@@ -5481,7 +5218,7 @@
           <a:p>
             <a:r>
               <a:rPr lang="en-GB" sz="4000" dirty="0"/>
-              <a:t>Python Environments</a:t>
+              <a:t>Python Installations</a:t>
             </a:r>
           </a:p>
         </p:txBody>
@@ -5518,30 +5255,458 @@
                 <a:latin typeface="Arial" panose="020B0604020202020204" pitchFamily="34" charset="0"/>
                 <a:cs typeface="Arial" panose="020B0604020202020204" pitchFamily="34" charset="0"/>
               </a:rPr>
-              <a:t>An isolated group of installed packages</a:t>
+              <a:t>Python</a:t>
+            </a:r>
+          </a:p>
+          <a:p>
+            <a:pPr lvl="1">
+              <a:lnSpc>
+                <a:spcPct val="107000"/>
+              </a:lnSpc>
+            </a:pPr>
+            <a:r>
+              <a:rPr lang="en-GB" sz="2600" dirty="0">
+                <a:latin typeface="Arial" panose="020B0604020202020204" pitchFamily="34" charset="0"/>
+                <a:cs typeface="Arial" panose="020B0604020202020204" pitchFamily="34" charset="0"/>
+              </a:rPr>
+              <a:t>Install from the </a:t>
+            </a:r>
+            <a:r>
+              <a:rPr lang="en-GB" sz="2600" dirty="0">
+                <a:latin typeface="Arial" panose="020B0604020202020204" pitchFamily="34" charset="0"/>
+                <a:cs typeface="Arial" panose="020B0604020202020204" pitchFamily="34" charset="0"/>
+                <a:hlinkClick r:id="rId3"/>
+              </a:rPr>
+              <a:t>Python website </a:t>
             </a:r>
             <a:endParaRPr lang="en-GB" sz="2600" dirty="0">
               <a:latin typeface="Arial" panose="020B0604020202020204" pitchFamily="34" charset="0"/>
               <a:cs typeface="Arial" panose="020B0604020202020204" pitchFamily="34" charset="0"/>
             </a:endParaRPr>
           </a:p>
+          <a:p>
+            <a:pPr lvl="1">
+              <a:lnSpc>
+                <a:spcPct val="107000"/>
+              </a:lnSpc>
+            </a:pPr>
+            <a:r>
+              <a:rPr lang="en-GB" sz="2600" dirty="0">
+                <a:latin typeface="Arial" panose="020B0604020202020204" pitchFamily="34" charset="0"/>
+                <a:cs typeface="Arial" panose="020B0604020202020204" pitchFamily="34" charset="0"/>
+              </a:rPr>
+              <a:t>Can have multiple versions installed</a:t>
+            </a:r>
+          </a:p>
+          <a:p>
+            <a:pPr lvl="1">
+              <a:lnSpc>
+                <a:spcPct val="107000"/>
+              </a:lnSpc>
+            </a:pPr>
+            <a:r>
+              <a:rPr lang="en-GB" sz="2600" dirty="0">
+                <a:latin typeface="Arial" panose="020B0604020202020204" pitchFamily="34" charset="0"/>
+                <a:cs typeface="Arial" panose="020B0604020202020204" pitchFamily="34" charset="0"/>
+              </a:rPr>
+              <a:t>“path” tells computer where to look for programs</a:t>
+            </a:r>
+          </a:p>
+          <a:p>
+            <a:pPr lvl="2">
+              <a:lnSpc>
+                <a:spcPct val="107000"/>
+              </a:lnSpc>
+            </a:pPr>
+            <a:r>
+              <a:rPr lang="en-GB" sz="2200" dirty="0">
+                <a:latin typeface="Arial" panose="020B0604020202020204" pitchFamily="34" charset="0"/>
+                <a:cs typeface="Arial" panose="020B0604020202020204" pitchFamily="34" charset="0"/>
+              </a:rPr>
+              <a:t>Sometimes too </a:t>
+            </a:r>
+            <a:r>
+              <a:rPr lang="en-GB" sz="2200">
+                <a:latin typeface="Arial" panose="020B0604020202020204" pitchFamily="34" charset="0"/>
+                <a:cs typeface="Arial" panose="020B0604020202020204" pitchFamily="34" charset="0"/>
+              </a:rPr>
+              <a:t>many entries </a:t>
+            </a:r>
+            <a:r>
+              <a:rPr lang="en-GB" sz="2200" dirty="0">
+                <a:latin typeface="Arial" panose="020B0604020202020204" pitchFamily="34" charset="0"/>
+                <a:cs typeface="Arial" panose="020B0604020202020204" pitchFamily="34" charset="0"/>
+              </a:rPr>
+              <a:t>on path can lead to problems</a:t>
+            </a:r>
+          </a:p>
+          <a:p>
+            <a:pPr>
+              <a:lnSpc>
+                <a:spcPct val="107000"/>
+              </a:lnSpc>
+            </a:pPr>
+            <a:r>
+              <a:rPr lang="en-GB" sz="3000" dirty="0" err="1">
+                <a:latin typeface="Arial" panose="020B0604020202020204" pitchFamily="34" charset="0"/>
+                <a:cs typeface="Arial" panose="020B0604020202020204" pitchFamily="34" charset="0"/>
+              </a:rPr>
+              <a:t>Ancaonda</a:t>
+            </a:r>
+            <a:endParaRPr lang="en-GB" sz="3000" dirty="0">
+              <a:latin typeface="Arial" panose="020B0604020202020204" pitchFamily="34" charset="0"/>
+              <a:cs typeface="Arial" panose="020B0604020202020204" pitchFamily="34" charset="0"/>
+            </a:endParaRPr>
+          </a:p>
+          <a:p>
+            <a:pPr lvl="1">
+              <a:lnSpc>
+                <a:spcPct val="107000"/>
+              </a:lnSpc>
+            </a:pPr>
+            <a:r>
+              <a:rPr lang="en-GB" sz="2600" dirty="0" err="1">
+                <a:latin typeface="Courier New" panose="02070309020205020404" pitchFamily="49" charset="0"/>
+                <a:cs typeface="Courier New" panose="02070309020205020404" pitchFamily="49" charset="0"/>
+              </a:rPr>
+              <a:t>conda</a:t>
+            </a:r>
+            <a:r>
+              <a:rPr lang="en-GB" sz="2600" dirty="0">
+                <a:latin typeface="Courier New" panose="02070309020205020404" pitchFamily="49" charset="0"/>
+                <a:cs typeface="Courier New" panose="02070309020205020404" pitchFamily="49" charset="0"/>
+              </a:rPr>
+              <a:t> search python </a:t>
+            </a:r>
+            <a:r>
+              <a:rPr lang="en-GB" sz="2600" dirty="0">
+                <a:latin typeface="Arial" panose="020B0604020202020204" pitchFamily="34" charset="0"/>
+                <a:cs typeface="Arial" panose="020B0604020202020204" pitchFamily="34" charset="0"/>
+              </a:rPr>
+              <a:t>gives list of installations</a:t>
+            </a:r>
+          </a:p>
+          <a:p>
+            <a:pPr lvl="1">
+              <a:lnSpc>
+                <a:spcPct val="107000"/>
+              </a:lnSpc>
+            </a:pPr>
+            <a:endParaRPr lang="en-GB" sz="2600" dirty="0">
+              <a:latin typeface="Arial" panose="020B0604020202020204" pitchFamily="34" charset="0"/>
+              <a:cs typeface="Arial" panose="020B0604020202020204" pitchFamily="34" charset="0"/>
+            </a:endParaRPr>
+          </a:p>
+        </p:txBody>
+      </p:sp>
+      <p:sp>
+        <p:nvSpPr>
+          <p:cNvPr id="4" name="Rectangle 1">
+            <a:extLst>
+              <a:ext uri="{FF2B5EF4-FFF2-40B4-BE49-F238E27FC236}">
+                <a16:creationId xmlns:a16="http://schemas.microsoft.com/office/drawing/2014/main" id="{803B62A5-972B-474D-BFE1-B41C6BD73BCA}"/>
+              </a:ext>
+            </a:extLst>
+          </p:cNvPr>
+          <p:cNvSpPr>
+            <a:spLocks noChangeArrowheads="1"/>
+          </p:cNvSpPr>
+          <p:nvPr/>
+        </p:nvSpPr>
+        <p:spPr bwMode="auto">
+          <a:xfrm>
+            <a:off x="0" y="0"/>
+            <a:ext cx="9144000" cy="457200"/>
+          </a:xfrm>
+          <a:prstGeom prst="rect">
+            <a:avLst/>
+          </a:prstGeom>
+          <a:solidFill>
+            <a:srgbClr val="EEEEEE"/>
+          </a:solidFill>
+          <a:ln>
+            <a:noFill/>
+          </a:ln>
+          <a:effectLst/>
+          <a:extLst>
+            <a:ext uri="{91240B29-F687-4F45-9708-019B960494DF}">
+              <a14:hiddenLine xmlns:a14="http://schemas.microsoft.com/office/drawing/2010/main" w="9525">
+                <a:solidFill>
+                  <a:schemeClr val="tx1"/>
+                </a:solidFill>
+                <a:miter lim="800000"/>
+                <a:headEnd/>
+                <a:tailEnd/>
+              </a14:hiddenLine>
+            </a:ext>
+            <a:ext uri="{AF507438-7753-43E0-B8FC-AC1667EBCBE1}">
+              <a14:hiddenEffects xmlns:a14="http://schemas.microsoft.com/office/drawing/2010/main">
+                <a:effectLst>
+                  <a:outerShdw dist="35921" dir="2700000" algn="ctr" rotWithShape="0">
+                    <a:schemeClr val="bg2"/>
+                  </a:outerShdw>
+                </a:effectLst>
+              </a14:hiddenEffects>
+            </a:ext>
+          </a:extLst>
+        </p:spPr>
+        <p:txBody>
+          <a:bodyPr vert="horz" wrap="none" lIns="0" tIns="0" rIns="0" bIns="0" numCol="1" anchor="ctr" anchorCtr="0" compatLnSpc="1">
+            <a:prstTxWarp prst="textNoShape">
+              <a:avLst/>
+            </a:prstTxWarp>
+            <a:spAutoFit/>
+          </a:bodyPr>
+          <a:lstStyle>
+            <a:lvl1pPr eaLnBrk="0" fontAlgn="base" hangingPunct="0">
+              <a:spcBef>
+                <a:spcPct val="30000"/>
+              </a:spcBef>
+              <a:spcAft>
+                <a:spcPct val="0"/>
+              </a:spcAft>
+              <a:defRPr sz="1200">
+                <a:solidFill>
+                  <a:schemeClr val="tx1"/>
+                </a:solidFill>
+                <a:latin typeface="Arial" panose="020B0604020202020204" pitchFamily="34" charset="0"/>
+              </a:defRPr>
+            </a:lvl1pPr>
+            <a:lvl2pPr eaLnBrk="0" fontAlgn="base" hangingPunct="0">
+              <a:spcBef>
+                <a:spcPct val="30000"/>
+              </a:spcBef>
+              <a:spcAft>
+                <a:spcPct val="0"/>
+              </a:spcAft>
+              <a:defRPr sz="1200">
+                <a:solidFill>
+                  <a:schemeClr val="tx1"/>
+                </a:solidFill>
+                <a:latin typeface="Arial" panose="020B0604020202020204" pitchFamily="34" charset="0"/>
+              </a:defRPr>
+            </a:lvl2pPr>
+            <a:lvl3pPr eaLnBrk="0" fontAlgn="base" hangingPunct="0">
+              <a:spcBef>
+                <a:spcPct val="30000"/>
+              </a:spcBef>
+              <a:spcAft>
+                <a:spcPct val="0"/>
+              </a:spcAft>
+              <a:defRPr sz="1200">
+                <a:solidFill>
+                  <a:schemeClr val="tx1"/>
+                </a:solidFill>
+                <a:latin typeface="Arial" panose="020B0604020202020204" pitchFamily="34" charset="0"/>
+              </a:defRPr>
+            </a:lvl3pPr>
+            <a:lvl4pPr eaLnBrk="0" fontAlgn="base" hangingPunct="0">
+              <a:spcBef>
+                <a:spcPct val="30000"/>
+              </a:spcBef>
+              <a:spcAft>
+                <a:spcPct val="0"/>
+              </a:spcAft>
+              <a:defRPr sz="1200">
+                <a:solidFill>
+                  <a:schemeClr val="tx1"/>
+                </a:solidFill>
+                <a:latin typeface="Arial" panose="020B0604020202020204" pitchFamily="34" charset="0"/>
+              </a:defRPr>
+            </a:lvl4pPr>
+            <a:lvl5pPr eaLnBrk="0" fontAlgn="base" hangingPunct="0">
+              <a:spcBef>
+                <a:spcPct val="30000"/>
+              </a:spcBef>
+              <a:spcAft>
+                <a:spcPct val="0"/>
+              </a:spcAft>
+              <a:defRPr sz="1200">
+                <a:solidFill>
+                  <a:schemeClr val="tx1"/>
+                </a:solidFill>
+                <a:latin typeface="Arial" panose="020B0604020202020204" pitchFamily="34" charset="0"/>
+              </a:defRPr>
+            </a:lvl5pPr>
+            <a:lvl6pPr eaLnBrk="0" fontAlgn="base" hangingPunct="0">
+              <a:spcBef>
+                <a:spcPct val="30000"/>
+              </a:spcBef>
+              <a:spcAft>
+                <a:spcPct val="0"/>
+              </a:spcAft>
+              <a:defRPr sz="1200">
+                <a:solidFill>
+                  <a:schemeClr val="tx1"/>
+                </a:solidFill>
+                <a:latin typeface="Arial" panose="020B0604020202020204" pitchFamily="34" charset="0"/>
+              </a:defRPr>
+            </a:lvl6pPr>
+            <a:lvl7pPr eaLnBrk="0" fontAlgn="base" hangingPunct="0">
+              <a:spcBef>
+                <a:spcPct val="30000"/>
+              </a:spcBef>
+              <a:spcAft>
+                <a:spcPct val="0"/>
+              </a:spcAft>
+              <a:defRPr sz="1200">
+                <a:solidFill>
+                  <a:schemeClr val="tx1"/>
+                </a:solidFill>
+                <a:latin typeface="Arial" panose="020B0604020202020204" pitchFamily="34" charset="0"/>
+              </a:defRPr>
+            </a:lvl7pPr>
+            <a:lvl8pPr eaLnBrk="0" fontAlgn="base" hangingPunct="0">
+              <a:spcBef>
+                <a:spcPct val="30000"/>
+              </a:spcBef>
+              <a:spcAft>
+                <a:spcPct val="0"/>
+              </a:spcAft>
+              <a:defRPr sz="1200">
+                <a:solidFill>
+                  <a:schemeClr val="tx1"/>
+                </a:solidFill>
+                <a:latin typeface="Arial" panose="020B0604020202020204" pitchFamily="34" charset="0"/>
+              </a:defRPr>
+            </a:lvl8pPr>
+            <a:lvl9pPr eaLnBrk="0" fontAlgn="base" hangingPunct="0">
+              <a:spcBef>
+                <a:spcPct val="30000"/>
+              </a:spcBef>
+              <a:spcAft>
+                <a:spcPct val="0"/>
+              </a:spcAft>
+              <a:defRPr sz="1200">
+                <a:solidFill>
+                  <a:schemeClr val="tx1"/>
+                </a:solidFill>
+                <a:latin typeface="Arial" panose="020B0604020202020204" pitchFamily="34" charset="0"/>
+              </a:defRPr>
+            </a:lvl9pPr>
+          </a:lstStyle>
+          <a:p>
+            <a:pPr marL="0" marR="0" lvl="0" indent="0" algn="l" defTabSz="914400" rtl="0" eaLnBrk="0" fontAlgn="base" latinLnBrk="0" hangingPunct="0">
+              <a:lnSpc>
+                <a:spcPct val="100000"/>
+              </a:lnSpc>
+              <a:spcBef>
+                <a:spcPct val="30000"/>
+              </a:spcBef>
+              <a:spcAft>
+                <a:spcPct val="0"/>
+              </a:spcAft>
+              <a:buClrTx/>
+              <a:buSzTx/>
+              <a:buFontTx/>
+              <a:buNone/>
+              <a:tabLst/>
+            </a:pPr>
+            <a:r>
+              <a:rPr kumimoji="0" lang="en-US" altLang="en-US" sz="1200" b="0" i="0" u="none" strike="noStrike" cap="none" normalizeH="0" baseline="0">
+                <a:ln>
+                  <a:noFill/>
+                </a:ln>
+                <a:solidFill>
+                  <a:schemeClr val="tx1"/>
+                </a:solidFill>
+                <a:effectLst/>
+                <a:latin typeface="Arial" panose="020B0604020202020204" pitchFamily="34" charset="0"/>
+              </a:rPr>
+              <a:t>conda</a:t>
+            </a:r>
+            <a:r>
+              <a:rPr kumimoji="0" lang="en-US" altLang="en-US" sz="900" b="0" i="0" u="none" strike="noStrike" cap="none" normalizeH="0" baseline="0">
+                <a:ln>
+                  <a:noFill/>
+                </a:ln>
+                <a:solidFill>
+                  <a:srgbClr val="404040"/>
+                </a:solidFill>
+                <a:effectLst/>
+                <a:latin typeface="SFMono-Regular"/>
+              </a:rPr>
+              <a:t> </a:t>
+            </a:r>
+            <a:r>
+              <a:rPr kumimoji="0" lang="en-US" altLang="en-US" sz="1200" b="0" i="0" u="none" strike="noStrike" cap="none" normalizeH="0" baseline="0">
+                <a:ln>
+                  <a:noFill/>
+                </a:ln>
+                <a:solidFill>
+                  <a:schemeClr val="tx1"/>
+                </a:solidFill>
+                <a:effectLst/>
+                <a:latin typeface="Arial" panose="020B0604020202020204" pitchFamily="34" charset="0"/>
+              </a:rPr>
+              <a:t>search</a:t>
+            </a:r>
+            <a:r>
+              <a:rPr kumimoji="0" lang="en-US" altLang="en-US" sz="900" b="0" i="0" u="none" strike="noStrike" cap="none" normalizeH="0" baseline="0">
+                <a:ln>
+                  <a:noFill/>
+                </a:ln>
+                <a:solidFill>
+                  <a:srgbClr val="404040"/>
+                </a:solidFill>
+                <a:effectLst/>
+                <a:latin typeface="SFMono-Regular"/>
+              </a:rPr>
+              <a:t> </a:t>
+            </a:r>
+            <a:r>
+              <a:rPr kumimoji="0" lang="en-US" altLang="en-US" sz="1200" b="0" i="0" u="none" strike="noStrike" cap="none" normalizeH="0" baseline="0">
+                <a:ln>
+                  <a:noFill/>
+                </a:ln>
+                <a:solidFill>
+                  <a:schemeClr val="tx1"/>
+                </a:solidFill>
+                <a:effectLst/>
+                <a:latin typeface="Arial" panose="020B0604020202020204" pitchFamily="34" charset="0"/>
+              </a:rPr>
+              <a:t>python</a:t>
+            </a:r>
+            <a:r>
+              <a:rPr kumimoji="0" lang="en-US" altLang="en-US" sz="600" b="0" i="0" u="none" strike="noStrike" cap="none" normalizeH="0" baseline="0">
+                <a:ln>
+                  <a:noFill/>
+                </a:ln>
+                <a:solidFill>
+                  <a:schemeClr val="tx1"/>
+                </a:solidFill>
+                <a:effectLst/>
+              </a:rPr>
+              <a:t> </a:t>
+            </a:r>
+            <a:endParaRPr kumimoji="0" lang="en-US" altLang="en-US" sz="1200" b="0" i="0" u="none" strike="noStrike" cap="none" normalizeH="0" baseline="0">
+              <a:ln>
+                <a:noFill/>
+              </a:ln>
+              <a:solidFill>
+                <a:schemeClr val="tx1"/>
+              </a:solidFill>
+              <a:effectLst/>
+              <a:latin typeface="Arial" panose="020B0604020202020204" pitchFamily="34" charset="0"/>
+            </a:endParaRPr>
+          </a:p>
         </p:txBody>
       </p:sp>
     </p:spTree>
     <p:extLst>
       <p:ext uri="{BB962C8B-B14F-4D97-AF65-F5344CB8AC3E}">
-        <p14:creationId xmlns:p14="http://schemas.microsoft.com/office/powerpoint/2010/main" val="3525808550"/>
+        <p14:creationId xmlns:p14="http://schemas.microsoft.com/office/powerpoint/2010/main" val="149702747"/>
       </p:ext>
     </p:extLst>
   </p:cSld>
   <p:clrMapOvr>
     <a:masterClrMapping/>
   </p:clrMapOvr>
-  <mc:AlternateContent xmlns:mc="http://schemas.openxmlformats.org/markup-compatibility/2006">
-    <mc:Choice xmlns:p14="http://schemas.microsoft.com/office/powerpoint/2010/main" Requires="p14">
+  <mc:AlternateContent xmlns:mc="http://schemas.openxmlformats.org/markup-compatibility/2006" xmlns:p14="http://schemas.microsoft.com/office/powerpoint/2010/main">
+    <mc:Choice Requires="p14">
       <p:transition p14:dur="10"/>
     </mc:Choice>
-    <mc:Fallback>
+    <mc:Fallback xmlns="">
       <p:transition/>
     </mc:Fallback>
   </mc:AlternateContent>
@@ -5582,7 +5747,7 @@
           <a:p>
             <a:r>
               <a:rPr lang="en-GB" sz="4000" dirty="0"/>
-              <a:t>Feedback</a:t>
+              <a:t>Python Environments</a:t>
             </a:r>
           </a:p>
         </p:txBody>
@@ -5609,63 +5774,29 @@
           </a:bodyPr>
           <a:lstStyle/>
           <a:p>
-            <a:r>
-              <a:rPr lang="en-GB" sz="3000" dirty="0"/>
-              <a:t>Once you’ve completed this course, please provide feedback</a:t>
-            </a:r>
-          </a:p>
-          <a:p>
-            <a:pPr lvl="1"/>
-            <a:r>
-              <a:rPr lang="en-GB" sz="2600" dirty="0"/>
-              <a:t>The link is </a:t>
-            </a:r>
-            <a:r>
-              <a:rPr lang="en-GB" sz="2600" u="sng" dirty="0">
-                <a:solidFill>
-                  <a:srgbClr val="000000"/>
-                </a:solidFill>
-                <a:effectLst/>
+            <a:pPr>
+              <a:lnSpc>
+                <a:spcPct val="107000"/>
+              </a:lnSpc>
+            </a:pPr>
+            <a:r>
+              <a:rPr lang="en-GB" sz="3000" dirty="0">
                 <a:latin typeface="Arial" panose="020B0604020202020204" pitchFamily="34" charset="0"/>
-                <a:ea typeface="Times New Roman" panose="02020603050405020304" pitchFamily="18" charset="0"/>
                 <a:cs typeface="Arial" panose="020B0604020202020204" pitchFamily="34" charset="0"/>
-                <a:hlinkClick r:id="rId3"/>
               </a:rPr>
-              <a:t>tinyurl.com/rcds2021-22</a:t>
-            </a:r>
-            <a:endParaRPr lang="en-GB" sz="2600" u="sng" dirty="0">
-              <a:solidFill>
-                <a:srgbClr val="000000"/>
-              </a:solidFill>
-              <a:effectLst/>
+              <a:t>An isolated group of installed packages</a:t>
+            </a:r>
+            <a:endParaRPr lang="en-GB" sz="2600" dirty="0">
               <a:latin typeface="Arial" panose="020B0604020202020204" pitchFamily="34" charset="0"/>
-              <a:ea typeface="Times New Roman" panose="02020603050405020304" pitchFamily="18" charset="0"/>
               <a:cs typeface="Arial" panose="020B0604020202020204" pitchFamily="34" charset="0"/>
             </a:endParaRPr>
-          </a:p>
-          <a:p>
-            <a:pPr lvl="1"/>
-            <a:r>
-              <a:rPr lang="en-GB" sz="2600" dirty="0"/>
-              <a:t>You should also have received an email with this link</a:t>
-            </a:r>
-          </a:p>
-          <a:p>
-            <a:pPr lvl="1"/>
-            <a:r>
-              <a:rPr lang="en-GB" sz="2600" dirty="0"/>
-              <a:t>This helps us improve the class for future students</a:t>
-            </a:r>
-          </a:p>
-          <a:p>
-            <a:endParaRPr lang="en-GB" sz="3000" dirty="0"/>
           </a:p>
         </p:txBody>
       </p:sp>
     </p:spTree>
     <p:extLst>
       <p:ext uri="{BB962C8B-B14F-4D97-AF65-F5344CB8AC3E}">
-        <p14:creationId xmlns:p14="http://schemas.microsoft.com/office/powerpoint/2010/main" val="2122788927"/>
+        <p14:creationId xmlns:p14="http://schemas.microsoft.com/office/powerpoint/2010/main" val="3525808550"/>
       </p:ext>
     </p:extLst>
   </p:cSld>
@@ -5702,108 +5833,105 @@
       </p:grpSpPr>
       <p:sp>
         <p:nvSpPr>
-          <p:cNvPr id="3074" name="Rectangle 2"/>
-          <p:cNvSpPr>
-            <a:spLocks noGrp="1" noChangeArrowheads="1"/>
+          <p:cNvPr id="2" name="Title 1"/>
+          <p:cNvSpPr>
+            <a:spLocks noGrp="1"/>
           </p:cNvSpPr>
           <p:nvPr>
             <p:ph type="title"/>
+          </p:nvPr>
+        </p:nvSpPr>
+        <p:spPr/>
+        <p:txBody>
+          <a:bodyPr/>
+          <a:lstStyle/>
+          <a:p>
+            <a:r>
+              <a:rPr lang="en-GB" sz="4000" dirty="0"/>
+              <a:t>Feedback</a:t>
+            </a:r>
+          </a:p>
+        </p:txBody>
+      </p:sp>
+      <p:sp>
+        <p:nvSpPr>
+          <p:cNvPr id="3" name="Content Placeholder 2"/>
+          <p:cNvSpPr>
+            <a:spLocks noGrp="1"/>
+          </p:cNvSpPr>
+          <p:nvPr>
+            <p:ph idx="1"/>
           </p:nvPr>
         </p:nvSpPr>
         <p:spPr>
           <a:xfrm>
-            <a:off x="401319" y="1270635"/>
-            <a:ext cx="7693810" cy="1567815"/>
+            <a:off x="457200" y="1600200"/>
+            <a:ext cx="8435280" cy="4876800"/>
           </a:xfrm>
         </p:spPr>
         <p:txBody>
           <a:bodyPr>
-            <a:noAutofit/>
+            <a:normAutofit/>
           </a:bodyPr>
           <a:lstStyle/>
           <a:p>
-            <a:pPr marL="0" indent="0"/>
-            <a:r>
-              <a:rPr lang="en-GB" sz="4000" b="1" dirty="0"/>
-              <a:t>Kernels, Environments, Packages and Running Python </a:t>
-            </a:r>
-          </a:p>
-        </p:txBody>
-      </p:sp>
-      <p:sp>
-        <p:nvSpPr>
-          <p:cNvPr id="6" name="Subtitle 2">
-            <a:extLst>
-              <a:ext uri="{FF2B5EF4-FFF2-40B4-BE49-F238E27FC236}">
-                <a16:creationId xmlns:a16="http://schemas.microsoft.com/office/drawing/2014/main" id="{8DBC1236-D25D-4DD9-A904-CB0180288957}"/>
-              </a:ext>
-            </a:extLst>
-          </p:cNvPr>
-          <p:cNvSpPr>
-            <a:spLocks noGrp="1"/>
-          </p:cNvSpPr>
-          <p:nvPr>
-            <p:ph type="subTitle" idx="1"/>
-          </p:nvPr>
-        </p:nvSpPr>
-        <p:spPr>
-          <a:xfrm>
-            <a:off x="401319" y="3194756"/>
-            <a:ext cx="8341362" cy="383822"/>
-          </a:xfrm>
-        </p:spPr>
-        <p:txBody>
-          <a:bodyPr/>
-          <a:lstStyle/>
-          <a:p>
-            <a:r>
-              <a:rPr lang="en-GB" sz="1400" dirty="0"/>
-              <a:t>Distributed under </a:t>
-            </a:r>
-            <a:r>
-              <a:rPr lang="en-GB" sz="1400" dirty="0">
+            <a:r>
+              <a:rPr lang="en-GB" sz="3000" dirty="0"/>
+              <a:t>Once you’ve completed this course, please provide feedback</a:t>
+            </a:r>
+          </a:p>
+          <a:p>
+            <a:pPr lvl="1"/>
+            <a:r>
+              <a:rPr lang="en-GB" sz="2600" dirty="0"/>
+              <a:t>The link is </a:t>
+            </a:r>
+            <a:r>
+              <a:rPr lang="en-GB" sz="2600" u="sng" dirty="0">
+                <a:solidFill>
+                  <a:srgbClr val="000000"/>
+                </a:solidFill>
+                <a:effectLst/>
+                <a:latin typeface="Arial" panose="020B0604020202020204" pitchFamily="34" charset="0"/>
+                <a:ea typeface="Times New Roman" panose="02020603050405020304" pitchFamily="18" charset="0"/>
+                <a:cs typeface="Arial" panose="020B0604020202020204" pitchFamily="34" charset="0"/>
                 <a:hlinkClick r:id="rId3"/>
               </a:rPr>
-              <a:t>Creative Commons Attribution-</a:t>
-            </a:r>
-            <a:r>
-              <a:rPr lang="en-GB" sz="1400" dirty="0" err="1">
-                <a:hlinkClick r:id="rId3"/>
-              </a:rPr>
-              <a:t>NonCommercial</a:t>
-            </a:r>
-            <a:r>
-              <a:rPr lang="en-GB" sz="1400" dirty="0">
-                <a:hlinkClick r:id="rId3"/>
-              </a:rPr>
-              <a:t>-</a:t>
-            </a:r>
-            <a:r>
-              <a:rPr lang="en-GB" sz="1400" dirty="0" err="1">
-                <a:hlinkClick r:id="rId3"/>
-              </a:rPr>
-              <a:t>ShareAlike</a:t>
-            </a:r>
-            <a:r>
-              <a:rPr lang="en-GB" sz="1400" dirty="0">
-                <a:hlinkClick r:id="rId3"/>
-              </a:rPr>
-              <a:t> 4.0 International</a:t>
-            </a:r>
-            <a:endParaRPr lang="en-GB" sz="1400" dirty="0"/>
-          </a:p>
-          <a:p>
-            <a:r>
-              <a:rPr lang="en-GB" sz="2400" dirty="0"/>
-              <a:t> </a:t>
-            </a:r>
+              <a:t>tinyurl.com/rcds2021-22</a:t>
+            </a:r>
+            <a:endParaRPr lang="en-GB" sz="2600" u="sng" dirty="0">
+              <a:solidFill>
+                <a:srgbClr val="000000"/>
+              </a:solidFill>
+              <a:effectLst/>
+              <a:latin typeface="Arial" panose="020B0604020202020204" pitchFamily="34" charset="0"/>
+              <a:ea typeface="Times New Roman" panose="02020603050405020304" pitchFamily="18" charset="0"/>
+              <a:cs typeface="Arial" panose="020B0604020202020204" pitchFamily="34" charset="0"/>
+            </a:endParaRPr>
+          </a:p>
+          <a:p>
+            <a:pPr lvl="1"/>
+            <a:r>
+              <a:rPr lang="en-GB" sz="2600" dirty="0"/>
+              <a:t>You should also have received an email with this link</a:t>
+            </a:r>
+          </a:p>
+          <a:p>
+            <a:pPr lvl="1"/>
+            <a:r>
+              <a:rPr lang="en-GB" sz="2600" dirty="0"/>
+              <a:t>This helps us improve the class for future students</a:t>
+            </a:r>
+          </a:p>
+          <a:p>
+            <a:endParaRPr lang="en-GB" sz="3000" dirty="0"/>
           </a:p>
         </p:txBody>
       </p:sp>
     </p:spTree>
     <p:extLst>
       <p:ext uri="{BB962C8B-B14F-4D97-AF65-F5344CB8AC3E}">
-        <p14:creationId xmlns:p14="http://schemas.microsoft.com/office/powerpoint/2010/main" val="3649744382"/>
+        <p14:creationId xmlns:p14="http://schemas.microsoft.com/office/powerpoint/2010/main" val="2122788927"/>
       </p:ext>
     </p:extLst>
   </p:cSld>
